--- a/LCC/Python/02_關於運算思維.pptx
+++ b/LCC/Python/02_關於運算思維.pptx
@@ -879,7 +879,7 @@
           <a:p>
             <a:fld id="{1C04B068-0BC1-4366-925A-40167D424D2E}" type="datetimeFigureOut">
               <a:rPr lang="zh-TW" altLang="en-US" smtClean="0"/>
-              <a:t>2020/12/28</a:t>
+              <a:t>2021/2/19</a:t>
             </a:fld>
             <a:endParaRPr lang="zh-TW" altLang="en-US"/>
           </a:p>
@@ -1130,7 +1130,7 @@
           <a:p>
             <a:fld id="{1C04B068-0BC1-4366-925A-40167D424D2E}" type="datetimeFigureOut">
               <a:rPr lang="zh-TW" altLang="en-US" smtClean="0"/>
-              <a:t>2020/12/28</a:t>
+              <a:t>2021/2/19</a:t>
             </a:fld>
             <a:endParaRPr lang="zh-TW" altLang="en-US"/>
           </a:p>
@@ -1444,7 +1444,7 @@
           <a:p>
             <a:fld id="{1C04B068-0BC1-4366-925A-40167D424D2E}" type="datetimeFigureOut">
               <a:rPr lang="zh-TW" altLang="en-US" smtClean="0"/>
-              <a:t>2020/12/28</a:t>
+              <a:t>2021/2/19</a:t>
             </a:fld>
             <a:endParaRPr lang="zh-TW" altLang="en-US"/>
           </a:p>
@@ -1777,7 +1777,7 @@
           <a:p>
             <a:fld id="{1C04B068-0BC1-4366-925A-40167D424D2E}" type="datetimeFigureOut">
               <a:rPr lang="zh-TW" altLang="en-US" smtClean="0"/>
-              <a:t>2020/12/28</a:t>
+              <a:t>2021/2/19</a:t>
             </a:fld>
             <a:endParaRPr lang="zh-TW" altLang="en-US"/>
           </a:p>
@@ -2091,7 +2091,7 @@
           <a:p>
             <a:fld id="{1C04B068-0BC1-4366-925A-40167D424D2E}" type="datetimeFigureOut">
               <a:rPr lang="zh-TW" altLang="en-US" smtClean="0"/>
-              <a:t>2020/12/28</a:t>
+              <a:t>2021/2/19</a:t>
             </a:fld>
             <a:endParaRPr lang="zh-TW" altLang="en-US"/>
           </a:p>
@@ -2484,7 +2484,7 @@
           <a:p>
             <a:fld id="{1C04B068-0BC1-4366-925A-40167D424D2E}" type="datetimeFigureOut">
               <a:rPr lang="zh-TW" altLang="en-US" smtClean="0"/>
-              <a:t>2020/12/28</a:t>
+              <a:t>2021/2/19</a:t>
             </a:fld>
             <a:endParaRPr lang="zh-TW" altLang="en-US"/>
           </a:p>
@@ -2654,7 +2654,7 @@
           <a:p>
             <a:fld id="{1C04B068-0BC1-4366-925A-40167D424D2E}" type="datetimeFigureOut">
               <a:rPr lang="zh-TW" altLang="en-US" smtClean="0"/>
-              <a:t>2020/12/28</a:t>
+              <a:t>2021/2/19</a:t>
             </a:fld>
             <a:endParaRPr lang="zh-TW" altLang="en-US"/>
           </a:p>
@@ -2834,7 +2834,7 @@
           <a:p>
             <a:fld id="{1C04B068-0BC1-4366-925A-40167D424D2E}" type="datetimeFigureOut">
               <a:rPr lang="zh-TW" altLang="en-US" smtClean="0"/>
-              <a:t>2020/12/28</a:t>
+              <a:t>2021/2/19</a:t>
             </a:fld>
             <a:endParaRPr lang="zh-TW" altLang="en-US"/>
           </a:p>
@@ -3004,7 +3004,7 @@
           <a:p>
             <a:fld id="{1C04B068-0BC1-4366-925A-40167D424D2E}" type="datetimeFigureOut">
               <a:rPr lang="zh-TW" altLang="en-US" smtClean="0"/>
-              <a:t>2020/12/28</a:t>
+              <a:t>2021/2/19</a:t>
             </a:fld>
             <a:endParaRPr lang="zh-TW" altLang="en-US"/>
           </a:p>
@@ -3251,7 +3251,7 @@
           <a:p>
             <a:fld id="{1C04B068-0BC1-4366-925A-40167D424D2E}" type="datetimeFigureOut">
               <a:rPr lang="zh-TW" altLang="en-US" smtClean="0"/>
-              <a:t>2020/12/28</a:t>
+              <a:t>2021/2/19</a:t>
             </a:fld>
             <a:endParaRPr lang="zh-TW" altLang="en-US"/>
           </a:p>
@@ -3483,7 +3483,7 @@
           <a:p>
             <a:fld id="{1C04B068-0BC1-4366-925A-40167D424D2E}" type="datetimeFigureOut">
               <a:rPr lang="zh-TW" altLang="en-US" smtClean="0"/>
-              <a:t>2020/12/28</a:t>
+              <a:t>2021/2/19</a:t>
             </a:fld>
             <a:endParaRPr lang="zh-TW" altLang="en-US"/>
           </a:p>
@@ -3857,7 +3857,7 @@
           <a:p>
             <a:fld id="{1C04B068-0BC1-4366-925A-40167D424D2E}" type="datetimeFigureOut">
               <a:rPr lang="zh-TW" altLang="en-US" smtClean="0"/>
-              <a:t>2020/12/28</a:t>
+              <a:t>2021/2/19</a:t>
             </a:fld>
             <a:endParaRPr lang="zh-TW" altLang="en-US"/>
           </a:p>
@@ -3980,7 +3980,7 @@
           <a:p>
             <a:fld id="{1C04B068-0BC1-4366-925A-40167D424D2E}" type="datetimeFigureOut">
               <a:rPr lang="zh-TW" altLang="en-US" smtClean="0"/>
-              <a:t>2020/12/28</a:t>
+              <a:t>2021/2/19</a:t>
             </a:fld>
             <a:endParaRPr lang="zh-TW" altLang="en-US"/>
           </a:p>
@@ -4075,7 +4075,7 @@
           <a:p>
             <a:fld id="{1C04B068-0BC1-4366-925A-40167D424D2E}" type="datetimeFigureOut">
               <a:rPr lang="zh-TW" altLang="en-US" smtClean="0"/>
-              <a:t>2020/12/28</a:t>
+              <a:t>2021/2/19</a:t>
             </a:fld>
             <a:endParaRPr lang="zh-TW" altLang="en-US"/>
           </a:p>
@@ -4330,7 +4330,7 @@
           <a:p>
             <a:fld id="{1C04B068-0BC1-4366-925A-40167D424D2E}" type="datetimeFigureOut">
               <a:rPr lang="zh-TW" altLang="en-US" smtClean="0"/>
-              <a:t>2020/12/28</a:t>
+              <a:t>2021/2/19</a:t>
             </a:fld>
             <a:endParaRPr lang="zh-TW" altLang="en-US"/>
           </a:p>
@@ -4635,7 +4635,7 @@
           <a:p>
             <a:fld id="{1C04B068-0BC1-4366-925A-40167D424D2E}" type="datetimeFigureOut">
               <a:rPr lang="zh-TW" altLang="en-US" smtClean="0"/>
-              <a:t>2020/12/28</a:t>
+              <a:t>2021/2/19</a:t>
             </a:fld>
             <a:endParaRPr lang="zh-TW" altLang="en-US"/>
           </a:p>
@@ -5337,7 +5337,7 @@
           <a:p>
             <a:fld id="{1C04B068-0BC1-4366-925A-40167D424D2E}" type="datetimeFigureOut">
               <a:rPr lang="zh-TW" altLang="en-US" smtClean="0"/>
-              <a:t>2020/12/28</a:t>
+              <a:t>2021/2/19</a:t>
             </a:fld>
             <a:endParaRPr lang="zh-TW" altLang="en-US"/>
           </a:p>
@@ -5953,8 +5953,46 @@
             <a:pPr algn="r"/>
             <a:fld id="{DA74FC97-8647-474D-B375-8E81E8B358FB}" type="datetime4">
               <a:rPr lang="zh-TW" altLang="zh-TW"/>
-              <a:t>109年12月28日星期一</a:t>
+              <a:t>110年2月19日星期五</a:t>
             </a:fld>
+            <a:endParaRPr lang="zh-TW" altLang="en-US" dirty="0"/>
+          </a:p>
+        </p:txBody>
+      </p:sp>
+      <p:sp>
+        <p:nvSpPr>
+          <p:cNvPr id="4" name="文字方塊 3"/>
+          <p:cNvSpPr txBox="1"/>
+          <p:nvPr/>
+        </p:nvSpPr>
+        <p:spPr>
+          <a:xfrm>
+            <a:off x="292608" y="6216062"/>
+            <a:ext cx="8468537" cy="369332"/>
+          </a:xfrm>
+          <a:prstGeom prst="rect">
+            <a:avLst/>
+          </a:prstGeom>
+          <a:noFill/>
+        </p:spPr>
+        <p:txBody>
+          <a:bodyPr wrap="none" rtlCol="0">
+            <a:spAutoFit/>
+          </a:bodyPr>
+          <a:lstStyle/>
+          <a:p>
+            <a:r>
+              <a:rPr lang="zh-TW" altLang="en-US" dirty="0" smtClean="0"/>
+              <a:t>投影片下載網址：</a:t>
+            </a:r>
+            <a:r>
+              <a:rPr lang="en-US" altLang="zh-TW" dirty="0" smtClean="0"/>
+              <a:t>https</a:t>
+            </a:r>
+            <a:r>
+              <a:rPr lang="en-US" altLang="zh-TW" dirty="0"/>
+              <a:t>://github.com/liulawsi/My_PPTs/tree/main/LCC/Python</a:t>
+            </a:r>
             <a:endParaRPr lang="zh-TW" altLang="en-US" dirty="0"/>
           </a:p>
         </p:txBody>
@@ -10411,11 +10449,31 @@
             <a:pPr lvl="1"/>
             <a:r>
               <a:rPr lang="zh-TW" altLang="en-US" dirty="0"/>
-              <a:t>怎麼點</a:t>
+              <a:t>怎麼</a:t>
             </a:r>
             <a:r>
               <a:rPr lang="zh-TW" altLang="en-US" dirty="0" smtClean="0"/>
-              <a:t>？</a:t>
+              <a:t>點餐？</a:t>
+            </a:r>
+            <a:endParaRPr lang="en-US" altLang="zh-TW" dirty="0" smtClean="0"/>
+          </a:p>
+          <a:p>
+            <a:pPr lvl="2"/>
+            <a:r>
+              <a:rPr lang="zh-TW" altLang="en-US" dirty="0" smtClean="0"/>
+              <a:t>大中杯、冰</a:t>
+            </a:r>
+            <a:r>
+              <a:rPr lang="zh-TW" altLang="en-US" dirty="0"/>
+              <a:t>、</a:t>
+            </a:r>
+            <a:r>
+              <a:rPr lang="zh-TW" altLang="en-US" dirty="0" smtClean="0"/>
+              <a:t>糖</a:t>
+            </a:r>
+            <a:r>
+              <a:rPr lang="en-US" altLang="zh-TW" dirty="0" smtClean="0"/>
+              <a:t>…</a:t>
             </a:r>
             <a:endParaRPr lang="zh-TW" altLang="en-US" dirty="0"/>
           </a:p>

--- a/LCC/Python/02_關於運算思維.pptx
+++ b/LCC/Python/02_關於運算思維.pptx
@@ -5997,6 +5997,47 @@
           </a:p>
         </p:txBody>
       </p:sp>
+      <p:pic>
+        <p:nvPicPr>
+          <p:cNvPr id="5" name="Picture 2" descr="upload.wikimedia.org/wikipedia/commons/thumb/f/..."/>
+          <p:cNvPicPr>
+            <a:picLocks noChangeAspect="1" noChangeArrowheads="1"/>
+          </p:cNvPicPr>
+          <p:nvPr/>
+        </p:nvPicPr>
+        <p:blipFill>
+          <a:blip r:embed="rId2" cstate="print">
+            <a:extLst>
+              <a:ext uri="{28A0092B-C50C-407E-A947-70E740481C1C}">
+                <a14:useLocalDpi xmlns:a14="http://schemas.microsoft.com/office/drawing/2010/main" val="0"/>
+              </a:ext>
+            </a:extLst>
+          </a:blip>
+          <a:srcRect/>
+          <a:stretch>
+            <a:fillRect/>
+          </a:stretch>
+        </p:blipFill>
+        <p:spPr bwMode="auto">
+          <a:xfrm>
+            <a:off x="528866" y="4993541"/>
+            <a:ext cx="4743328" cy="1407187"/>
+          </a:xfrm>
+          <a:prstGeom prst="rect">
+            <a:avLst/>
+          </a:prstGeom>
+          <a:noFill/>
+          <a:extLst>
+            <a:ext uri="{909E8E84-426E-40DD-AFC4-6F175D3DCCD1}">
+              <a14:hiddenFill xmlns:a14="http://schemas.microsoft.com/office/drawing/2010/main">
+                <a:solidFill>
+                  <a:srgbClr val="FFFFFF"/>
+                </a:solidFill>
+              </a14:hiddenFill>
+            </a:ext>
+          </a:extLst>
+        </p:spPr>
+      </p:pic>
     </p:spTree>
     <p:extLst>
       <p:ext uri="{BB962C8B-B14F-4D97-AF65-F5344CB8AC3E}">

--- a/LCC/Python/02_關於運算思維.pptx
+++ b/LCC/Python/02_關於運算思維.pptx
@@ -17,6 +17,8 @@
     <p:sldId id="266" r:id="rId11"/>
     <p:sldId id="267" r:id="rId12"/>
     <p:sldId id="265" r:id="rId13"/>
+    <p:sldId id="268" r:id="rId14"/>
+    <p:sldId id="269" r:id="rId15"/>
   </p:sldIdLst>
   <p:sldSz cx="12192000" cy="6858000"/>
   <p:notesSz cx="6858000" cy="9144000"/>
@@ -879,7 +881,7 @@
           <a:p>
             <a:fld id="{1C04B068-0BC1-4366-925A-40167D424D2E}" type="datetimeFigureOut">
               <a:rPr lang="zh-TW" altLang="en-US" smtClean="0"/>
-              <a:t>2021/2/19</a:t>
+              <a:t>2021/11/17</a:t>
             </a:fld>
             <a:endParaRPr lang="zh-TW" altLang="en-US"/>
           </a:p>
@@ -1130,7 +1132,7 @@
           <a:p>
             <a:fld id="{1C04B068-0BC1-4366-925A-40167D424D2E}" type="datetimeFigureOut">
               <a:rPr lang="zh-TW" altLang="en-US" smtClean="0"/>
-              <a:t>2021/2/19</a:t>
+              <a:t>2021/11/17</a:t>
             </a:fld>
             <a:endParaRPr lang="zh-TW" altLang="en-US"/>
           </a:p>
@@ -1444,7 +1446,7 @@
           <a:p>
             <a:fld id="{1C04B068-0BC1-4366-925A-40167D424D2E}" type="datetimeFigureOut">
               <a:rPr lang="zh-TW" altLang="en-US" smtClean="0"/>
-              <a:t>2021/2/19</a:t>
+              <a:t>2021/11/17</a:t>
             </a:fld>
             <a:endParaRPr lang="zh-TW" altLang="en-US"/>
           </a:p>
@@ -1777,7 +1779,7 @@
           <a:p>
             <a:fld id="{1C04B068-0BC1-4366-925A-40167D424D2E}" type="datetimeFigureOut">
               <a:rPr lang="zh-TW" altLang="en-US" smtClean="0"/>
-              <a:t>2021/2/19</a:t>
+              <a:t>2021/11/17</a:t>
             </a:fld>
             <a:endParaRPr lang="zh-TW" altLang="en-US"/>
           </a:p>
@@ -2091,7 +2093,7 @@
           <a:p>
             <a:fld id="{1C04B068-0BC1-4366-925A-40167D424D2E}" type="datetimeFigureOut">
               <a:rPr lang="zh-TW" altLang="en-US" smtClean="0"/>
-              <a:t>2021/2/19</a:t>
+              <a:t>2021/11/17</a:t>
             </a:fld>
             <a:endParaRPr lang="zh-TW" altLang="en-US"/>
           </a:p>
@@ -2484,7 +2486,7 @@
           <a:p>
             <a:fld id="{1C04B068-0BC1-4366-925A-40167D424D2E}" type="datetimeFigureOut">
               <a:rPr lang="zh-TW" altLang="en-US" smtClean="0"/>
-              <a:t>2021/2/19</a:t>
+              <a:t>2021/11/17</a:t>
             </a:fld>
             <a:endParaRPr lang="zh-TW" altLang="en-US"/>
           </a:p>
@@ -2654,7 +2656,7 @@
           <a:p>
             <a:fld id="{1C04B068-0BC1-4366-925A-40167D424D2E}" type="datetimeFigureOut">
               <a:rPr lang="zh-TW" altLang="en-US" smtClean="0"/>
-              <a:t>2021/2/19</a:t>
+              <a:t>2021/11/17</a:t>
             </a:fld>
             <a:endParaRPr lang="zh-TW" altLang="en-US"/>
           </a:p>
@@ -2834,7 +2836,7 @@
           <a:p>
             <a:fld id="{1C04B068-0BC1-4366-925A-40167D424D2E}" type="datetimeFigureOut">
               <a:rPr lang="zh-TW" altLang="en-US" smtClean="0"/>
-              <a:t>2021/2/19</a:t>
+              <a:t>2021/11/17</a:t>
             </a:fld>
             <a:endParaRPr lang="zh-TW" altLang="en-US"/>
           </a:p>
@@ -3004,7 +3006,7 @@
           <a:p>
             <a:fld id="{1C04B068-0BC1-4366-925A-40167D424D2E}" type="datetimeFigureOut">
               <a:rPr lang="zh-TW" altLang="en-US" smtClean="0"/>
-              <a:t>2021/2/19</a:t>
+              <a:t>2021/11/17</a:t>
             </a:fld>
             <a:endParaRPr lang="zh-TW" altLang="en-US"/>
           </a:p>
@@ -3251,7 +3253,7 @@
           <a:p>
             <a:fld id="{1C04B068-0BC1-4366-925A-40167D424D2E}" type="datetimeFigureOut">
               <a:rPr lang="zh-TW" altLang="en-US" smtClean="0"/>
-              <a:t>2021/2/19</a:t>
+              <a:t>2021/11/17</a:t>
             </a:fld>
             <a:endParaRPr lang="zh-TW" altLang="en-US"/>
           </a:p>
@@ -3483,7 +3485,7 @@
           <a:p>
             <a:fld id="{1C04B068-0BC1-4366-925A-40167D424D2E}" type="datetimeFigureOut">
               <a:rPr lang="zh-TW" altLang="en-US" smtClean="0"/>
-              <a:t>2021/2/19</a:t>
+              <a:t>2021/11/17</a:t>
             </a:fld>
             <a:endParaRPr lang="zh-TW" altLang="en-US"/>
           </a:p>
@@ -3857,7 +3859,7 @@
           <a:p>
             <a:fld id="{1C04B068-0BC1-4366-925A-40167D424D2E}" type="datetimeFigureOut">
               <a:rPr lang="zh-TW" altLang="en-US" smtClean="0"/>
-              <a:t>2021/2/19</a:t>
+              <a:t>2021/11/17</a:t>
             </a:fld>
             <a:endParaRPr lang="zh-TW" altLang="en-US"/>
           </a:p>
@@ -3980,7 +3982,7 @@
           <a:p>
             <a:fld id="{1C04B068-0BC1-4366-925A-40167D424D2E}" type="datetimeFigureOut">
               <a:rPr lang="zh-TW" altLang="en-US" smtClean="0"/>
-              <a:t>2021/2/19</a:t>
+              <a:t>2021/11/17</a:t>
             </a:fld>
             <a:endParaRPr lang="zh-TW" altLang="en-US"/>
           </a:p>
@@ -4075,7 +4077,7 @@
           <a:p>
             <a:fld id="{1C04B068-0BC1-4366-925A-40167D424D2E}" type="datetimeFigureOut">
               <a:rPr lang="zh-TW" altLang="en-US" smtClean="0"/>
-              <a:t>2021/2/19</a:t>
+              <a:t>2021/11/17</a:t>
             </a:fld>
             <a:endParaRPr lang="zh-TW" altLang="en-US"/>
           </a:p>
@@ -4330,7 +4332,7 @@
           <a:p>
             <a:fld id="{1C04B068-0BC1-4366-925A-40167D424D2E}" type="datetimeFigureOut">
               <a:rPr lang="zh-TW" altLang="en-US" smtClean="0"/>
-              <a:t>2021/2/19</a:t>
+              <a:t>2021/11/17</a:t>
             </a:fld>
             <a:endParaRPr lang="zh-TW" altLang="en-US"/>
           </a:p>
@@ -4635,7 +4637,7 @@
           <a:p>
             <a:fld id="{1C04B068-0BC1-4366-925A-40167D424D2E}" type="datetimeFigureOut">
               <a:rPr lang="zh-TW" altLang="en-US" smtClean="0"/>
-              <a:t>2021/2/19</a:t>
+              <a:t>2021/11/17</a:t>
             </a:fld>
             <a:endParaRPr lang="zh-TW" altLang="en-US"/>
           </a:p>
@@ -5337,7 +5339,7 @@
           <a:p>
             <a:fld id="{1C04B068-0BC1-4366-925A-40167D424D2E}" type="datetimeFigureOut">
               <a:rPr lang="zh-TW" altLang="en-US" smtClean="0"/>
-              <a:t>2021/2/19</a:t>
+              <a:t>2021/11/17</a:t>
             </a:fld>
             <a:endParaRPr lang="zh-TW" altLang="en-US"/>
           </a:p>
@@ -5460,6 +5462,39 @@
           </a:extLst>
         </p:spPr>
       </p:pic>
+      <p:sp>
+        <p:nvSpPr>
+          <p:cNvPr id="29" name="矩形 28"/>
+          <p:cNvSpPr/>
+          <p:nvPr userDrawn="1"/>
+        </p:nvSpPr>
+        <p:spPr>
+          <a:xfrm>
+            <a:off x="447147" y="6406487"/>
+            <a:ext cx="3863558" cy="369332"/>
+          </a:xfrm>
+          <a:prstGeom prst="rect">
+            <a:avLst/>
+          </a:prstGeom>
+        </p:spPr>
+        <p:txBody>
+          <a:bodyPr wrap="none">
+            <a:spAutoFit/>
+          </a:bodyPr>
+          <a:lstStyle/>
+          <a:p>
+            <a:r>
+              <a:rPr lang="zh-TW" altLang="en-US" sz="1800" dirty="0" smtClean="0"/>
+              <a:t>講義網址：</a:t>
+            </a:r>
+            <a:r>
+              <a:rPr lang="en-US" altLang="zh-TW" sz="1800" dirty="0" smtClean="0"/>
+              <a:t>https://reurl.cc/q16rOy</a:t>
+            </a:r>
+            <a:endParaRPr lang="zh-TW" altLang="en-US" sz="1800" dirty="0"/>
+          </a:p>
+        </p:txBody>
+      </p:sp>
     </p:spTree>
     <p:extLst>
       <p:ext uri="{BB962C8B-B14F-4D97-AF65-F5344CB8AC3E}">
@@ -5953,46 +5988,8 @@
             <a:pPr algn="r"/>
             <a:fld id="{DA74FC97-8647-474D-B375-8E81E8B358FB}" type="datetime4">
               <a:rPr lang="zh-TW" altLang="zh-TW"/>
-              <a:t>110年2月19日星期五</a:t>
+              <a:t>110年11月17日星期三</a:t>
             </a:fld>
-            <a:endParaRPr lang="zh-TW" altLang="en-US" dirty="0"/>
-          </a:p>
-        </p:txBody>
-      </p:sp>
-      <p:sp>
-        <p:nvSpPr>
-          <p:cNvPr id="4" name="文字方塊 3"/>
-          <p:cNvSpPr txBox="1"/>
-          <p:nvPr/>
-        </p:nvSpPr>
-        <p:spPr>
-          <a:xfrm>
-            <a:off x="292608" y="6216062"/>
-            <a:ext cx="8468537" cy="369332"/>
-          </a:xfrm>
-          <a:prstGeom prst="rect">
-            <a:avLst/>
-          </a:prstGeom>
-          <a:noFill/>
-        </p:spPr>
-        <p:txBody>
-          <a:bodyPr wrap="none" rtlCol="0">
-            <a:spAutoFit/>
-          </a:bodyPr>
-          <a:lstStyle/>
-          <a:p>
-            <a:r>
-              <a:rPr lang="zh-TW" altLang="en-US" dirty="0" smtClean="0"/>
-              <a:t>投影片下載網址：</a:t>
-            </a:r>
-            <a:r>
-              <a:rPr lang="en-US" altLang="zh-TW" dirty="0" smtClean="0"/>
-              <a:t>https</a:t>
-            </a:r>
-            <a:r>
-              <a:rPr lang="en-US" altLang="zh-TW" dirty="0"/>
-              <a:t>://github.com/liulawsi/My_PPTs/tree/main/LCC/Python</a:t>
-            </a:r>
             <a:endParaRPr lang="zh-TW" altLang="en-US" dirty="0"/>
           </a:p>
         </p:txBody>
@@ -6036,6 +6033,67 @@
               </a14:hiddenFill>
             </a:ext>
           </a:extLst>
+        </p:spPr>
+      </p:pic>
+      <p:sp>
+        <p:nvSpPr>
+          <p:cNvPr id="6" name="矩形 5"/>
+          <p:cNvSpPr/>
+          <p:nvPr/>
+        </p:nvSpPr>
+        <p:spPr>
+          <a:xfrm>
+            <a:off x="634256" y="497458"/>
+            <a:ext cx="5093061" cy="461665"/>
+          </a:xfrm>
+          <a:prstGeom prst="rect">
+            <a:avLst/>
+          </a:prstGeom>
+        </p:spPr>
+        <p:txBody>
+          <a:bodyPr wrap="none">
+            <a:spAutoFit/>
+          </a:bodyPr>
+          <a:lstStyle/>
+          <a:p>
+            <a:r>
+              <a:rPr lang="zh-TW" altLang="en-US" sz="2400" dirty="0" smtClean="0"/>
+              <a:t>講義網址：</a:t>
+            </a:r>
+            <a:r>
+              <a:rPr lang="en-US" altLang="zh-TW" sz="2400" dirty="0"/>
+              <a:t>https://</a:t>
+            </a:r>
+            <a:r>
+              <a:rPr lang="en-US" altLang="zh-TW" sz="2400" dirty="0" smtClean="0"/>
+              <a:t>reurl.cc/q16rOy</a:t>
+            </a:r>
+            <a:endParaRPr lang="zh-TW" altLang="en-US" sz="2400" dirty="0"/>
+          </a:p>
+        </p:txBody>
+      </p:sp>
+      <p:pic>
+        <p:nvPicPr>
+          <p:cNvPr id="7" name="圖片 6"/>
+          <p:cNvPicPr>
+            <a:picLocks noChangeAspect="1"/>
+          </p:cNvPicPr>
+          <p:nvPr/>
+        </p:nvPicPr>
+        <p:blipFill>
+          <a:blip r:embed="rId3"/>
+          <a:stretch>
+            <a:fillRect/>
+          </a:stretch>
+        </p:blipFill>
+        <p:spPr>
+          <a:xfrm>
+            <a:off x="775914" y="921364"/>
+            <a:ext cx="1822492" cy="1822492"/>
+          </a:xfrm>
+          <a:prstGeom prst="rect">
+            <a:avLst/>
+          </a:prstGeom>
         </p:spPr>
       </p:pic>
     </p:spTree>
@@ -9465,6 +9523,362 @@
       <p:bldP spid="19" grpId="0"/>
     </p:bldLst>
   </p:timing>
+</p:sld>
+</file>
+
+<file path=ppt/slides/slide13.xml><?xml version="1.0" encoding="utf-8"?>
+<p:sld xmlns:a="http://schemas.openxmlformats.org/drawingml/2006/main" xmlns:r="http://schemas.openxmlformats.org/officeDocument/2006/relationships" xmlns:p="http://schemas.openxmlformats.org/presentationml/2006/main">
+  <p:cSld>
+    <p:spTree>
+      <p:nvGrpSpPr>
+        <p:cNvPr id="1" name=""/>
+        <p:cNvGrpSpPr/>
+        <p:nvPr/>
+      </p:nvGrpSpPr>
+      <p:grpSpPr>
+        <a:xfrm>
+          <a:off x="0" y="0"/>
+          <a:ext cx="0" cy="0"/>
+          <a:chOff x="0" y="0"/>
+          <a:chExt cx="0" cy="0"/>
+        </a:xfrm>
+      </p:grpSpPr>
+      <p:sp>
+        <p:nvSpPr>
+          <p:cNvPr id="4" name="標題 3"/>
+          <p:cNvSpPr>
+            <a:spLocks noGrp="1"/>
+          </p:cNvSpPr>
+          <p:nvPr>
+            <p:ph type="title"/>
+          </p:nvPr>
+        </p:nvSpPr>
+        <p:spPr/>
+        <p:txBody>
+          <a:bodyPr/>
+          <a:lstStyle/>
+          <a:p>
+            <a:r>
+              <a:rPr lang="zh-TW" altLang="en-US" dirty="0" smtClean="0"/>
+              <a:t>數位化 或 數字化</a:t>
+            </a:r>
+            <a:endParaRPr lang="zh-TW" altLang="en-US" dirty="0"/>
+          </a:p>
+        </p:txBody>
+      </p:sp>
+      <p:sp>
+        <p:nvSpPr>
+          <p:cNvPr id="5" name="文字版面配置區 4"/>
+          <p:cNvSpPr>
+            <a:spLocks noGrp="1"/>
+          </p:cNvSpPr>
+          <p:nvPr>
+            <p:ph type="body" idx="1"/>
+          </p:nvPr>
+        </p:nvSpPr>
+        <p:spPr/>
+        <p:txBody>
+          <a:bodyPr/>
+          <a:lstStyle/>
+          <a:p>
+            <a:endParaRPr lang="zh-TW" altLang="en-US"/>
+          </a:p>
+        </p:txBody>
+      </p:sp>
+    </p:spTree>
+    <p:extLst>
+      <p:ext uri="{BB962C8B-B14F-4D97-AF65-F5344CB8AC3E}">
+        <p14:creationId xmlns:p14="http://schemas.microsoft.com/office/powerpoint/2010/main" val="2845736231"/>
+      </p:ext>
+    </p:extLst>
+  </p:cSld>
+  <p:clrMapOvr>
+    <a:masterClrMapping/>
+  </p:clrMapOvr>
+</p:sld>
+</file>
+
+<file path=ppt/slides/slide14.xml><?xml version="1.0" encoding="utf-8"?>
+<p:sld xmlns:a="http://schemas.openxmlformats.org/drawingml/2006/main" xmlns:r="http://schemas.openxmlformats.org/officeDocument/2006/relationships" xmlns:p="http://schemas.openxmlformats.org/presentationml/2006/main">
+  <p:cSld>
+    <p:spTree>
+      <p:nvGrpSpPr>
+        <p:cNvPr id="1" name=""/>
+        <p:cNvGrpSpPr/>
+        <p:nvPr/>
+      </p:nvGrpSpPr>
+      <p:grpSpPr>
+        <a:xfrm>
+          <a:off x="0" y="0"/>
+          <a:ext cx="0" cy="0"/>
+          <a:chOff x="0" y="0"/>
+          <a:chExt cx="0" cy="0"/>
+        </a:xfrm>
+      </p:grpSpPr>
+      <p:sp>
+        <p:nvSpPr>
+          <p:cNvPr id="4" name="標題 3"/>
+          <p:cNvSpPr>
+            <a:spLocks noGrp="1"/>
+          </p:cNvSpPr>
+          <p:nvPr>
+            <p:ph type="title"/>
+          </p:nvPr>
+        </p:nvSpPr>
+        <p:spPr/>
+        <p:txBody>
+          <a:bodyPr/>
+          <a:lstStyle/>
+          <a:p>
+            <a:r>
+              <a:rPr lang="zh-TW" altLang="en-US" dirty="0" smtClean="0"/>
+              <a:t>為什麼要  數位化 </a:t>
+            </a:r>
+            <a:r>
+              <a:rPr lang="zh-TW" altLang="en-US" dirty="0"/>
+              <a:t>或 數字化</a:t>
+            </a:r>
+          </a:p>
+        </p:txBody>
+      </p:sp>
+      <p:sp>
+        <p:nvSpPr>
+          <p:cNvPr id="5" name="內容版面配置區 4"/>
+          <p:cNvSpPr>
+            <a:spLocks noGrp="1"/>
+          </p:cNvSpPr>
+          <p:nvPr>
+            <p:ph idx="1"/>
+          </p:nvPr>
+        </p:nvSpPr>
+        <p:spPr/>
+        <p:txBody>
+          <a:bodyPr/>
+          <a:lstStyle/>
+          <a:p>
+            <a:r>
+              <a:rPr lang="zh-TW" altLang="en-US" dirty="0" smtClean="0"/>
+              <a:t>因為電腦裡面紀錄的都是一堆 </a:t>
+            </a:r>
+            <a:r>
+              <a:rPr lang="en-US" altLang="zh-TW" dirty="0" smtClean="0"/>
+              <a:t>0101010101110100011</a:t>
+            </a:r>
+          </a:p>
+          <a:p>
+            <a:r>
+              <a:rPr lang="zh-TW" altLang="en-US" dirty="0"/>
+              <a:t>也就是二進位的</a:t>
+            </a:r>
+            <a:r>
+              <a:rPr lang="zh-TW" altLang="en-US" dirty="0" smtClean="0"/>
+              <a:t>數字</a:t>
+            </a:r>
+            <a:endParaRPr lang="en-US" altLang="zh-TW" dirty="0" smtClean="0"/>
+          </a:p>
+          <a:p>
+            <a:r>
+              <a:rPr lang="zh-TW" altLang="en-US" dirty="0"/>
+              <a:t>人為規定每</a:t>
+            </a:r>
+            <a:r>
+              <a:rPr lang="en-US" altLang="zh-TW" dirty="0"/>
+              <a:t>8</a:t>
+            </a:r>
+            <a:r>
+              <a:rPr lang="zh-TW" altLang="en-US" dirty="0"/>
+              <a:t>個</a:t>
+            </a:r>
+            <a:r>
+              <a:rPr lang="en-US" altLang="zh-TW" dirty="0"/>
+              <a:t>bit</a:t>
+            </a:r>
+            <a:r>
+              <a:rPr lang="zh-TW" altLang="en-US" dirty="0"/>
+              <a:t>合成一個</a:t>
+            </a:r>
+            <a:r>
+              <a:rPr lang="en-US" altLang="zh-TW" dirty="0" smtClean="0"/>
+              <a:t>byte</a:t>
+            </a:r>
+          </a:p>
+          <a:p>
+            <a:r>
+              <a:rPr lang="zh-TW" altLang="en-US" dirty="0"/>
+              <a:t>由</a:t>
+            </a:r>
+            <a:r>
+              <a:rPr lang="en-US" altLang="zh-TW" dirty="0"/>
+              <a:t>byte</a:t>
+            </a:r>
+            <a:r>
+              <a:rPr lang="zh-TW" altLang="en-US" dirty="0"/>
+              <a:t>出發</a:t>
+            </a:r>
+            <a:r>
+              <a:rPr lang="zh-TW" altLang="en-US" dirty="0" smtClean="0"/>
+              <a:t>，人為規定出</a:t>
+            </a:r>
+            <a:r>
+              <a:rPr lang="en-US" altLang="zh-TW" dirty="0" smtClean="0"/>
+              <a:t>ASCII Code</a:t>
+            </a:r>
+          </a:p>
+          <a:p>
+            <a:pPr lvl="1"/>
+            <a:r>
+              <a:rPr lang="zh-TW" altLang="en-US" dirty="0"/>
+              <a:t>從此大家</a:t>
+            </a:r>
+            <a:r>
+              <a:rPr lang="zh-TW" altLang="en-US" dirty="0" smtClean="0"/>
+              <a:t>公認 </a:t>
+            </a:r>
+            <a:r>
+              <a:rPr lang="en-US" altLang="zh-TW" dirty="0" smtClean="0"/>
+              <a:t>A </a:t>
+            </a:r>
+            <a:r>
+              <a:rPr lang="en-US" altLang="zh-TW" dirty="0" smtClean="0">
+                <a:sym typeface="Symbol" panose="05050102010706020507" pitchFamily="18" charset="2"/>
+              </a:rPr>
+              <a:t></a:t>
+            </a:r>
+            <a:r>
+              <a:rPr lang="en-US" altLang="zh-TW" dirty="0" smtClean="0"/>
+              <a:t> 65, B </a:t>
+            </a:r>
+            <a:r>
+              <a:rPr lang="en-US" altLang="zh-TW" dirty="0" smtClean="0">
+                <a:sym typeface="Symbol" panose="05050102010706020507" pitchFamily="18" charset="2"/>
+              </a:rPr>
+              <a:t> 66, …… a</a:t>
+            </a:r>
+            <a:r>
+              <a:rPr lang="en-US" altLang="zh-TW" dirty="0">
+                <a:sym typeface="Symbol" panose="05050102010706020507" pitchFamily="18" charset="2"/>
+              </a:rPr>
+              <a:t> </a:t>
+            </a:r>
+            <a:r>
+              <a:rPr lang="en-US" altLang="zh-TW" dirty="0" smtClean="0">
+                <a:sym typeface="Symbol" panose="05050102010706020507" pitchFamily="18" charset="2"/>
+              </a:rPr>
+              <a:t>97, b</a:t>
+            </a:r>
+            <a:r>
+              <a:rPr lang="en-US" altLang="zh-TW" dirty="0">
+                <a:sym typeface="Symbol" panose="05050102010706020507" pitchFamily="18" charset="2"/>
+              </a:rPr>
+              <a:t> </a:t>
+            </a:r>
+            <a:r>
+              <a:rPr lang="en-US" altLang="zh-TW" dirty="0" smtClean="0">
+                <a:sym typeface="Symbol" panose="05050102010706020507" pitchFamily="18" charset="2"/>
+              </a:rPr>
+              <a:t>98,……</a:t>
+            </a:r>
+          </a:p>
+          <a:p>
+            <a:r>
+              <a:rPr lang="zh-TW" altLang="en-US" dirty="0">
+                <a:sym typeface="Symbol" panose="05050102010706020507" pitchFamily="18" charset="2"/>
+              </a:rPr>
+              <a:t>很多生活上的事物也需如此</a:t>
+            </a:r>
+            <a:r>
+              <a:rPr lang="zh-TW" altLang="en-US" dirty="0" smtClean="0">
+                <a:sym typeface="Symbol" panose="05050102010706020507" pitchFamily="18" charset="2"/>
+              </a:rPr>
+              <a:t>，電腦才能知道</a:t>
+            </a:r>
+            <a:r>
+              <a:rPr lang="en-US" altLang="zh-TW" dirty="0" smtClean="0">
+                <a:sym typeface="Symbol" panose="05050102010706020507" pitchFamily="18" charset="2"/>
+              </a:rPr>
+              <a:t>(</a:t>
+            </a:r>
+            <a:r>
+              <a:rPr lang="zh-TW" altLang="en-US" dirty="0" smtClean="0">
+                <a:sym typeface="Symbol" panose="05050102010706020507" pitchFamily="18" charset="2"/>
+              </a:rPr>
+              <a:t>記住</a:t>
+            </a:r>
+            <a:r>
+              <a:rPr lang="en-US" altLang="zh-TW" dirty="0" smtClean="0">
+                <a:sym typeface="Symbol" panose="05050102010706020507" pitchFamily="18" charset="2"/>
+              </a:rPr>
+              <a:t>)</a:t>
+            </a:r>
+            <a:r>
+              <a:rPr lang="zh-TW" altLang="en-US" dirty="0" smtClean="0">
+                <a:sym typeface="Symbol" panose="05050102010706020507" pitchFamily="18" charset="2"/>
+              </a:rPr>
+              <a:t>甚麼是甚麼。</a:t>
+            </a:r>
+            <a:endParaRPr lang="en-US" altLang="zh-TW" dirty="0" smtClean="0">
+              <a:sym typeface="Symbol" panose="05050102010706020507" pitchFamily="18" charset="2"/>
+            </a:endParaRPr>
+          </a:p>
+          <a:p>
+            <a:pPr lvl="1"/>
+            <a:r>
+              <a:rPr lang="zh-TW" altLang="en-US" dirty="0">
+                <a:sym typeface="Symbol" panose="05050102010706020507" pitchFamily="18" charset="2"/>
+              </a:rPr>
+              <a:t>例如：四季、男女、國家、化學原料</a:t>
+            </a:r>
+            <a:r>
+              <a:rPr lang="zh-TW" altLang="en-US" dirty="0" smtClean="0">
+                <a:sym typeface="Symbol" panose="05050102010706020507" pitchFamily="18" charset="2"/>
+              </a:rPr>
+              <a:t>、</a:t>
+            </a:r>
+            <a:r>
+              <a:rPr lang="en-US" altLang="zh-TW" dirty="0" smtClean="0">
+                <a:sym typeface="Symbol" panose="05050102010706020507" pitchFamily="18" charset="2"/>
+              </a:rPr>
+              <a:t>………</a:t>
+            </a:r>
+          </a:p>
+          <a:p>
+            <a:endParaRPr lang="en-US" altLang="zh-TW" dirty="0" smtClean="0">
+              <a:sym typeface="Symbol" panose="05050102010706020507" pitchFamily="18" charset="2"/>
+            </a:endParaRPr>
+          </a:p>
+          <a:p>
+            <a:r>
+              <a:rPr lang="zh-TW" altLang="en-US" dirty="0" smtClean="0">
+                <a:sym typeface="Symbol" panose="05050102010706020507" pitchFamily="18" charset="2"/>
+              </a:rPr>
+              <a:t>資料被數位化</a:t>
+            </a:r>
+            <a:r>
+              <a:rPr lang="zh-TW" altLang="en-US" dirty="0">
+                <a:sym typeface="Symbol" panose="05050102010706020507" pitchFamily="18" charset="2"/>
+              </a:rPr>
+              <a:t>之後</a:t>
+            </a:r>
+            <a:r>
+              <a:rPr lang="zh-TW" altLang="en-US" dirty="0" smtClean="0">
+                <a:sym typeface="Symbol" panose="05050102010706020507" pitchFamily="18" charset="2"/>
+              </a:rPr>
+              <a:t>，資料才能被電腦處理。</a:t>
+            </a:r>
+            <a:endParaRPr lang="zh-TW" altLang="en-US" dirty="0"/>
+          </a:p>
+        </p:txBody>
+      </p:sp>
+    </p:spTree>
+    <p:extLst>
+      <p:ext uri="{BB962C8B-B14F-4D97-AF65-F5344CB8AC3E}">
+        <p14:creationId xmlns:p14="http://schemas.microsoft.com/office/powerpoint/2010/main" val="2258604036"/>
+      </p:ext>
+    </p:extLst>
+  </p:cSld>
+  <p:clrMapOvr>
+    <a:masterClrMapping/>
+  </p:clrMapOvr>
 </p:sld>
 </file>
 
@@ -18243,9 +18657,1041 @@
           <a:p>
             <a:r>
               <a:rPr lang="zh-TW" altLang="en-US" dirty="0" smtClean="0"/>
-              <a:t>人怎麼思考？拆解成小步驟。</a:t>
+              <a:t>人怎麼思考？</a:t>
+            </a:r>
+            <a:endParaRPr lang="en-US" altLang="zh-TW" dirty="0" smtClean="0"/>
+          </a:p>
+          <a:p>
+            <a:r>
+              <a:rPr lang="zh-TW" altLang="en-US" dirty="0"/>
+              <a:t>電腦怎麼解決問題</a:t>
+            </a:r>
+            <a:r>
+              <a:rPr lang="zh-TW" altLang="en-US" dirty="0" smtClean="0"/>
+              <a:t>？</a:t>
+            </a:r>
+            <a:endParaRPr lang="en-US" altLang="zh-TW" dirty="0" smtClean="0"/>
+          </a:p>
+          <a:p>
+            <a:pPr lvl="1"/>
+            <a:r>
+              <a:rPr lang="zh-TW" altLang="en-US" dirty="0" smtClean="0"/>
+              <a:t>拆解成小步驟。</a:t>
             </a:r>
             <a:endParaRPr lang="zh-TW" altLang="en-US" dirty="0"/>
+          </a:p>
+        </p:txBody>
+      </p:sp>
+      <p:graphicFrame>
+        <p:nvGraphicFramePr>
+          <p:cNvPr id="4" name="表格 3"/>
+          <p:cNvGraphicFramePr>
+            <a:graphicFrameLocks noGrp="1"/>
+          </p:cNvGraphicFramePr>
+          <p:nvPr>
+            <p:extLst>
+              <p:ext uri="{D42A27DB-BD31-4B8C-83A1-F6EECF244321}">
+                <p14:modId xmlns:p14="http://schemas.microsoft.com/office/powerpoint/2010/main" val="3387107119"/>
+              </p:ext>
+            </p:extLst>
+          </p:nvPr>
+        </p:nvGraphicFramePr>
+        <p:xfrm>
+          <a:off x="1584747" y="4250387"/>
+          <a:ext cx="6525810" cy="752518"/>
+        </p:xfrm>
+        <a:graphic>
+          <a:graphicData uri="http://schemas.openxmlformats.org/drawingml/2006/table">
+            <a:tbl>
+              <a:tblPr firstRow="1" bandRow="1">
+                <a:tableStyleId>{5C22544A-7EE6-4342-B048-85BDC9FD1C3A}</a:tableStyleId>
+              </a:tblPr>
+              <a:tblGrid>
+                <a:gridCol w="652581">
+                  <a:extLst>
+                    <a:ext uri="{9D8B030D-6E8A-4147-A177-3AD203B41FA5}">
+                      <a16:colId xmlns:a16="http://schemas.microsoft.com/office/drawing/2014/main" val="2705383370"/>
+                    </a:ext>
+                  </a:extLst>
+                </a:gridCol>
+                <a:gridCol w="652581">
+                  <a:extLst>
+                    <a:ext uri="{9D8B030D-6E8A-4147-A177-3AD203B41FA5}">
+                      <a16:colId xmlns:a16="http://schemas.microsoft.com/office/drawing/2014/main" val="2844190125"/>
+                    </a:ext>
+                  </a:extLst>
+                </a:gridCol>
+                <a:gridCol w="652581">
+                  <a:extLst>
+                    <a:ext uri="{9D8B030D-6E8A-4147-A177-3AD203B41FA5}">
+                      <a16:colId xmlns:a16="http://schemas.microsoft.com/office/drawing/2014/main" val="2014148948"/>
+                    </a:ext>
+                  </a:extLst>
+                </a:gridCol>
+                <a:gridCol w="652581">
+                  <a:extLst>
+                    <a:ext uri="{9D8B030D-6E8A-4147-A177-3AD203B41FA5}">
+                      <a16:colId xmlns:a16="http://schemas.microsoft.com/office/drawing/2014/main" val="279163920"/>
+                    </a:ext>
+                  </a:extLst>
+                </a:gridCol>
+                <a:gridCol w="652581">
+                  <a:extLst>
+                    <a:ext uri="{9D8B030D-6E8A-4147-A177-3AD203B41FA5}">
+                      <a16:colId xmlns:a16="http://schemas.microsoft.com/office/drawing/2014/main" val="1210402196"/>
+                    </a:ext>
+                  </a:extLst>
+                </a:gridCol>
+                <a:gridCol w="652581">
+                  <a:extLst>
+                    <a:ext uri="{9D8B030D-6E8A-4147-A177-3AD203B41FA5}">
+                      <a16:colId xmlns:a16="http://schemas.microsoft.com/office/drawing/2014/main" val="2839229281"/>
+                    </a:ext>
+                  </a:extLst>
+                </a:gridCol>
+                <a:gridCol w="652581">
+                  <a:extLst>
+                    <a:ext uri="{9D8B030D-6E8A-4147-A177-3AD203B41FA5}">
+                      <a16:colId xmlns:a16="http://schemas.microsoft.com/office/drawing/2014/main" val="773669187"/>
+                    </a:ext>
+                  </a:extLst>
+                </a:gridCol>
+                <a:gridCol w="652581">
+                  <a:extLst>
+                    <a:ext uri="{9D8B030D-6E8A-4147-A177-3AD203B41FA5}">
+                      <a16:colId xmlns:a16="http://schemas.microsoft.com/office/drawing/2014/main" val="2726142893"/>
+                    </a:ext>
+                  </a:extLst>
+                </a:gridCol>
+                <a:gridCol w="652581">
+                  <a:extLst>
+                    <a:ext uri="{9D8B030D-6E8A-4147-A177-3AD203B41FA5}">
+                      <a16:colId xmlns:a16="http://schemas.microsoft.com/office/drawing/2014/main" val="3558725404"/>
+                    </a:ext>
+                  </a:extLst>
+                </a:gridCol>
+                <a:gridCol w="652581">
+                  <a:extLst>
+                    <a:ext uri="{9D8B030D-6E8A-4147-A177-3AD203B41FA5}">
+                      <a16:colId xmlns:a16="http://schemas.microsoft.com/office/drawing/2014/main" val="2450490748"/>
+                    </a:ext>
+                  </a:extLst>
+                </a:gridCol>
+              </a:tblGrid>
+              <a:tr h="752518">
+                <a:tc>
+                  <a:txBody>
+                    <a:bodyPr/>
+                    <a:lstStyle/>
+                    <a:p>
+                      <a:pPr algn="ctr"/>
+                      <a:r>
+                        <a:rPr lang="en-US" altLang="zh-TW" dirty="0" smtClean="0">
+                          <a:solidFill>
+                            <a:schemeClr val="tx1"/>
+                          </a:solidFill>
+                        </a:rPr>
+                        <a:t>3</a:t>
+                      </a:r>
+                      <a:endParaRPr lang="zh-TW" altLang="en-US" dirty="0">
+                        <a:solidFill>
+                          <a:schemeClr val="tx1"/>
+                        </a:solidFill>
+                      </a:endParaRPr>
+                    </a:p>
+                  </a:txBody>
+                  <a:tcPr anchor="ctr">
+                    <a:lnL w="12700" cap="flat" cmpd="sng" algn="ctr">
+                      <a:solidFill>
+                        <a:schemeClr val="tx1"/>
+                      </a:solidFill>
+                      <a:prstDash val="solid"/>
+                      <a:round/>
+                      <a:headEnd type="none" w="med" len="med"/>
+                      <a:tailEnd type="none" w="med" len="med"/>
+                    </a:lnL>
+                    <a:lnR w="12700" cap="flat" cmpd="sng" algn="ctr">
+                      <a:solidFill>
+                        <a:schemeClr val="tx1"/>
+                      </a:solidFill>
+                      <a:prstDash val="solid"/>
+                      <a:round/>
+                      <a:headEnd type="none" w="med" len="med"/>
+                      <a:tailEnd type="none" w="med" len="med"/>
+                    </a:lnR>
+                    <a:lnT w="12700" cap="flat" cmpd="sng" algn="ctr">
+                      <a:solidFill>
+                        <a:schemeClr val="tx1"/>
+                      </a:solidFill>
+                      <a:prstDash val="solid"/>
+                      <a:round/>
+                      <a:headEnd type="none" w="med" len="med"/>
+                      <a:tailEnd type="none" w="med" len="med"/>
+                    </a:lnT>
+                    <a:lnB w="12700" cap="flat" cmpd="sng" algn="ctr">
+                      <a:solidFill>
+                        <a:schemeClr val="tx1"/>
+                      </a:solidFill>
+                      <a:prstDash val="solid"/>
+                      <a:round/>
+                      <a:headEnd type="none" w="med" len="med"/>
+                      <a:tailEnd type="none" w="med" len="med"/>
+                    </a:lnB>
+                    <a:solidFill>
+                      <a:schemeClr val="bg1"/>
+                    </a:solidFill>
+                  </a:tcPr>
+                </a:tc>
+                <a:tc>
+                  <a:txBody>
+                    <a:bodyPr/>
+                    <a:lstStyle/>
+                    <a:p>
+                      <a:pPr algn="ctr"/>
+                      <a:r>
+                        <a:rPr lang="en-US" altLang="zh-TW" dirty="0" smtClean="0">
+                          <a:solidFill>
+                            <a:schemeClr val="tx1"/>
+                          </a:solidFill>
+                        </a:rPr>
+                        <a:t>15</a:t>
+                      </a:r>
+                      <a:endParaRPr lang="zh-TW" altLang="en-US" dirty="0">
+                        <a:solidFill>
+                          <a:schemeClr val="tx1"/>
+                        </a:solidFill>
+                      </a:endParaRPr>
+                    </a:p>
+                  </a:txBody>
+                  <a:tcPr anchor="ctr">
+                    <a:lnL w="12700" cap="flat" cmpd="sng" algn="ctr">
+                      <a:solidFill>
+                        <a:schemeClr val="tx1"/>
+                      </a:solidFill>
+                      <a:prstDash val="solid"/>
+                      <a:round/>
+                      <a:headEnd type="none" w="med" len="med"/>
+                      <a:tailEnd type="none" w="med" len="med"/>
+                    </a:lnL>
+                    <a:lnR w="12700" cap="flat" cmpd="sng" algn="ctr">
+                      <a:solidFill>
+                        <a:schemeClr val="tx1"/>
+                      </a:solidFill>
+                      <a:prstDash val="solid"/>
+                      <a:round/>
+                      <a:headEnd type="none" w="med" len="med"/>
+                      <a:tailEnd type="none" w="med" len="med"/>
+                    </a:lnR>
+                    <a:lnT w="12700" cap="flat" cmpd="sng" algn="ctr">
+                      <a:solidFill>
+                        <a:schemeClr val="tx1"/>
+                      </a:solidFill>
+                      <a:prstDash val="solid"/>
+                      <a:round/>
+                      <a:headEnd type="none" w="med" len="med"/>
+                      <a:tailEnd type="none" w="med" len="med"/>
+                    </a:lnT>
+                    <a:lnB w="12700" cap="flat" cmpd="sng" algn="ctr">
+                      <a:solidFill>
+                        <a:schemeClr val="tx1"/>
+                      </a:solidFill>
+                      <a:prstDash val="solid"/>
+                      <a:round/>
+                      <a:headEnd type="none" w="med" len="med"/>
+                      <a:tailEnd type="none" w="med" len="med"/>
+                    </a:lnB>
+                    <a:solidFill>
+                      <a:schemeClr val="bg1"/>
+                    </a:solidFill>
+                  </a:tcPr>
+                </a:tc>
+                <a:tc>
+                  <a:txBody>
+                    <a:bodyPr/>
+                    <a:lstStyle/>
+                    <a:p>
+                      <a:pPr algn="ctr"/>
+                      <a:r>
+                        <a:rPr lang="en-US" altLang="zh-TW" dirty="0" smtClean="0">
+                          <a:solidFill>
+                            <a:schemeClr val="tx1"/>
+                          </a:solidFill>
+                        </a:rPr>
+                        <a:t>7</a:t>
+                      </a:r>
+                      <a:endParaRPr lang="zh-TW" altLang="en-US" dirty="0">
+                        <a:solidFill>
+                          <a:schemeClr val="tx1"/>
+                        </a:solidFill>
+                      </a:endParaRPr>
+                    </a:p>
+                  </a:txBody>
+                  <a:tcPr anchor="ctr">
+                    <a:lnL w="12700" cap="flat" cmpd="sng" algn="ctr">
+                      <a:solidFill>
+                        <a:schemeClr val="tx1"/>
+                      </a:solidFill>
+                      <a:prstDash val="solid"/>
+                      <a:round/>
+                      <a:headEnd type="none" w="med" len="med"/>
+                      <a:tailEnd type="none" w="med" len="med"/>
+                    </a:lnL>
+                    <a:lnR w="12700" cap="flat" cmpd="sng" algn="ctr">
+                      <a:solidFill>
+                        <a:schemeClr val="tx1"/>
+                      </a:solidFill>
+                      <a:prstDash val="solid"/>
+                      <a:round/>
+                      <a:headEnd type="none" w="med" len="med"/>
+                      <a:tailEnd type="none" w="med" len="med"/>
+                    </a:lnR>
+                    <a:lnT w="12700" cap="flat" cmpd="sng" algn="ctr">
+                      <a:solidFill>
+                        <a:schemeClr val="tx1"/>
+                      </a:solidFill>
+                      <a:prstDash val="solid"/>
+                      <a:round/>
+                      <a:headEnd type="none" w="med" len="med"/>
+                      <a:tailEnd type="none" w="med" len="med"/>
+                    </a:lnT>
+                    <a:lnB w="12700" cap="flat" cmpd="sng" algn="ctr">
+                      <a:solidFill>
+                        <a:schemeClr val="tx1"/>
+                      </a:solidFill>
+                      <a:prstDash val="solid"/>
+                      <a:round/>
+                      <a:headEnd type="none" w="med" len="med"/>
+                      <a:tailEnd type="none" w="med" len="med"/>
+                    </a:lnB>
+                    <a:solidFill>
+                      <a:schemeClr val="bg1"/>
+                    </a:solidFill>
+                  </a:tcPr>
+                </a:tc>
+                <a:tc>
+                  <a:txBody>
+                    <a:bodyPr/>
+                    <a:lstStyle/>
+                    <a:p>
+                      <a:pPr algn="ctr"/>
+                      <a:r>
+                        <a:rPr lang="en-US" altLang="zh-TW" dirty="0" smtClean="0">
+                          <a:solidFill>
+                            <a:schemeClr val="tx1"/>
+                          </a:solidFill>
+                        </a:rPr>
+                        <a:t>24</a:t>
+                      </a:r>
+                      <a:endParaRPr lang="zh-TW" altLang="en-US" dirty="0">
+                        <a:solidFill>
+                          <a:schemeClr val="tx1"/>
+                        </a:solidFill>
+                      </a:endParaRPr>
+                    </a:p>
+                  </a:txBody>
+                  <a:tcPr anchor="ctr">
+                    <a:lnL w="12700" cap="flat" cmpd="sng" algn="ctr">
+                      <a:solidFill>
+                        <a:schemeClr val="tx1"/>
+                      </a:solidFill>
+                      <a:prstDash val="solid"/>
+                      <a:round/>
+                      <a:headEnd type="none" w="med" len="med"/>
+                      <a:tailEnd type="none" w="med" len="med"/>
+                    </a:lnL>
+                    <a:lnR w="12700" cap="flat" cmpd="sng" algn="ctr">
+                      <a:solidFill>
+                        <a:schemeClr val="tx1"/>
+                      </a:solidFill>
+                      <a:prstDash val="solid"/>
+                      <a:round/>
+                      <a:headEnd type="none" w="med" len="med"/>
+                      <a:tailEnd type="none" w="med" len="med"/>
+                    </a:lnR>
+                    <a:lnT w="12700" cap="flat" cmpd="sng" algn="ctr">
+                      <a:solidFill>
+                        <a:schemeClr val="tx1"/>
+                      </a:solidFill>
+                      <a:prstDash val="solid"/>
+                      <a:round/>
+                      <a:headEnd type="none" w="med" len="med"/>
+                      <a:tailEnd type="none" w="med" len="med"/>
+                    </a:lnT>
+                    <a:lnB w="12700" cap="flat" cmpd="sng" algn="ctr">
+                      <a:solidFill>
+                        <a:schemeClr val="tx1"/>
+                      </a:solidFill>
+                      <a:prstDash val="solid"/>
+                      <a:round/>
+                      <a:headEnd type="none" w="med" len="med"/>
+                      <a:tailEnd type="none" w="med" len="med"/>
+                    </a:lnB>
+                    <a:solidFill>
+                      <a:schemeClr val="bg1"/>
+                    </a:solidFill>
+                  </a:tcPr>
+                </a:tc>
+                <a:tc>
+                  <a:txBody>
+                    <a:bodyPr/>
+                    <a:lstStyle/>
+                    <a:p>
+                      <a:pPr algn="ctr"/>
+                      <a:r>
+                        <a:rPr lang="en-US" altLang="zh-TW" dirty="0" smtClean="0">
+                          <a:solidFill>
+                            <a:schemeClr val="tx1"/>
+                          </a:solidFill>
+                        </a:rPr>
+                        <a:t>22</a:t>
+                      </a:r>
+                      <a:endParaRPr lang="zh-TW" altLang="en-US" dirty="0">
+                        <a:solidFill>
+                          <a:schemeClr val="tx1"/>
+                        </a:solidFill>
+                      </a:endParaRPr>
+                    </a:p>
+                  </a:txBody>
+                  <a:tcPr anchor="ctr">
+                    <a:lnL w="12700" cap="flat" cmpd="sng" algn="ctr">
+                      <a:solidFill>
+                        <a:schemeClr val="tx1"/>
+                      </a:solidFill>
+                      <a:prstDash val="solid"/>
+                      <a:round/>
+                      <a:headEnd type="none" w="med" len="med"/>
+                      <a:tailEnd type="none" w="med" len="med"/>
+                    </a:lnL>
+                    <a:lnR w="12700" cap="flat" cmpd="sng" algn="ctr">
+                      <a:solidFill>
+                        <a:schemeClr val="tx1"/>
+                      </a:solidFill>
+                      <a:prstDash val="solid"/>
+                      <a:round/>
+                      <a:headEnd type="none" w="med" len="med"/>
+                      <a:tailEnd type="none" w="med" len="med"/>
+                    </a:lnR>
+                    <a:lnT w="12700" cap="flat" cmpd="sng" algn="ctr">
+                      <a:solidFill>
+                        <a:schemeClr val="tx1"/>
+                      </a:solidFill>
+                      <a:prstDash val="solid"/>
+                      <a:round/>
+                      <a:headEnd type="none" w="med" len="med"/>
+                      <a:tailEnd type="none" w="med" len="med"/>
+                    </a:lnT>
+                    <a:lnB w="12700" cap="flat" cmpd="sng" algn="ctr">
+                      <a:solidFill>
+                        <a:schemeClr val="tx1"/>
+                      </a:solidFill>
+                      <a:prstDash val="solid"/>
+                      <a:round/>
+                      <a:headEnd type="none" w="med" len="med"/>
+                      <a:tailEnd type="none" w="med" len="med"/>
+                    </a:lnB>
+                    <a:solidFill>
+                      <a:schemeClr val="bg1"/>
+                    </a:solidFill>
+                  </a:tcPr>
+                </a:tc>
+                <a:tc>
+                  <a:txBody>
+                    <a:bodyPr/>
+                    <a:lstStyle/>
+                    <a:p>
+                      <a:pPr algn="ctr"/>
+                      <a:r>
+                        <a:rPr lang="en-US" altLang="zh-TW" dirty="0" smtClean="0">
+                          <a:solidFill>
+                            <a:schemeClr val="tx1"/>
+                          </a:solidFill>
+                        </a:rPr>
+                        <a:t>2</a:t>
+                      </a:r>
+                      <a:endParaRPr lang="zh-TW" altLang="en-US" dirty="0">
+                        <a:solidFill>
+                          <a:schemeClr val="tx1"/>
+                        </a:solidFill>
+                      </a:endParaRPr>
+                    </a:p>
+                  </a:txBody>
+                  <a:tcPr anchor="ctr">
+                    <a:lnL w="12700" cap="flat" cmpd="sng" algn="ctr">
+                      <a:solidFill>
+                        <a:schemeClr val="tx1"/>
+                      </a:solidFill>
+                      <a:prstDash val="solid"/>
+                      <a:round/>
+                      <a:headEnd type="none" w="med" len="med"/>
+                      <a:tailEnd type="none" w="med" len="med"/>
+                    </a:lnL>
+                    <a:lnR w="12700" cap="flat" cmpd="sng" algn="ctr">
+                      <a:solidFill>
+                        <a:schemeClr val="tx1"/>
+                      </a:solidFill>
+                      <a:prstDash val="solid"/>
+                      <a:round/>
+                      <a:headEnd type="none" w="med" len="med"/>
+                      <a:tailEnd type="none" w="med" len="med"/>
+                    </a:lnR>
+                    <a:lnT w="12700" cap="flat" cmpd="sng" algn="ctr">
+                      <a:solidFill>
+                        <a:schemeClr val="tx1"/>
+                      </a:solidFill>
+                      <a:prstDash val="solid"/>
+                      <a:round/>
+                      <a:headEnd type="none" w="med" len="med"/>
+                      <a:tailEnd type="none" w="med" len="med"/>
+                    </a:lnT>
+                    <a:lnB w="12700" cap="flat" cmpd="sng" algn="ctr">
+                      <a:solidFill>
+                        <a:schemeClr val="tx1"/>
+                      </a:solidFill>
+                      <a:prstDash val="solid"/>
+                      <a:round/>
+                      <a:headEnd type="none" w="med" len="med"/>
+                      <a:tailEnd type="none" w="med" len="med"/>
+                    </a:lnB>
+                    <a:solidFill>
+                      <a:schemeClr val="bg1"/>
+                    </a:solidFill>
+                  </a:tcPr>
+                </a:tc>
+                <a:tc>
+                  <a:txBody>
+                    <a:bodyPr/>
+                    <a:lstStyle/>
+                    <a:p>
+                      <a:pPr algn="ctr"/>
+                      <a:r>
+                        <a:rPr lang="en-US" altLang="zh-TW" dirty="0" smtClean="0">
+                          <a:solidFill>
+                            <a:schemeClr val="tx1"/>
+                          </a:solidFill>
+                        </a:rPr>
+                        <a:t>8</a:t>
+                      </a:r>
+                      <a:endParaRPr lang="zh-TW" altLang="en-US" dirty="0">
+                        <a:solidFill>
+                          <a:schemeClr val="tx1"/>
+                        </a:solidFill>
+                      </a:endParaRPr>
+                    </a:p>
+                  </a:txBody>
+                  <a:tcPr anchor="ctr">
+                    <a:lnL w="12700" cap="flat" cmpd="sng" algn="ctr">
+                      <a:solidFill>
+                        <a:schemeClr val="tx1"/>
+                      </a:solidFill>
+                      <a:prstDash val="solid"/>
+                      <a:round/>
+                      <a:headEnd type="none" w="med" len="med"/>
+                      <a:tailEnd type="none" w="med" len="med"/>
+                    </a:lnL>
+                    <a:lnR w="12700" cap="flat" cmpd="sng" algn="ctr">
+                      <a:solidFill>
+                        <a:schemeClr val="tx1"/>
+                      </a:solidFill>
+                      <a:prstDash val="solid"/>
+                      <a:round/>
+                      <a:headEnd type="none" w="med" len="med"/>
+                      <a:tailEnd type="none" w="med" len="med"/>
+                    </a:lnR>
+                    <a:lnT w="12700" cap="flat" cmpd="sng" algn="ctr">
+                      <a:solidFill>
+                        <a:schemeClr val="tx1"/>
+                      </a:solidFill>
+                      <a:prstDash val="solid"/>
+                      <a:round/>
+                      <a:headEnd type="none" w="med" len="med"/>
+                      <a:tailEnd type="none" w="med" len="med"/>
+                    </a:lnT>
+                    <a:lnB w="12700" cap="flat" cmpd="sng" algn="ctr">
+                      <a:solidFill>
+                        <a:schemeClr val="tx1"/>
+                      </a:solidFill>
+                      <a:prstDash val="solid"/>
+                      <a:round/>
+                      <a:headEnd type="none" w="med" len="med"/>
+                      <a:tailEnd type="none" w="med" len="med"/>
+                    </a:lnB>
+                    <a:solidFill>
+                      <a:schemeClr val="bg1"/>
+                    </a:solidFill>
+                  </a:tcPr>
+                </a:tc>
+                <a:tc>
+                  <a:txBody>
+                    <a:bodyPr/>
+                    <a:lstStyle/>
+                    <a:p>
+                      <a:pPr algn="ctr"/>
+                      <a:r>
+                        <a:rPr lang="en-US" altLang="zh-TW" dirty="0" smtClean="0">
+                          <a:solidFill>
+                            <a:schemeClr val="tx1"/>
+                          </a:solidFill>
+                        </a:rPr>
+                        <a:t>77</a:t>
+                      </a:r>
+                      <a:endParaRPr lang="zh-TW" altLang="en-US" dirty="0">
+                        <a:solidFill>
+                          <a:schemeClr val="tx1"/>
+                        </a:solidFill>
+                      </a:endParaRPr>
+                    </a:p>
+                  </a:txBody>
+                  <a:tcPr anchor="ctr">
+                    <a:lnL w="12700" cap="flat" cmpd="sng" algn="ctr">
+                      <a:solidFill>
+                        <a:schemeClr val="tx1"/>
+                      </a:solidFill>
+                      <a:prstDash val="solid"/>
+                      <a:round/>
+                      <a:headEnd type="none" w="med" len="med"/>
+                      <a:tailEnd type="none" w="med" len="med"/>
+                    </a:lnL>
+                    <a:lnR w="12700" cap="flat" cmpd="sng" algn="ctr">
+                      <a:solidFill>
+                        <a:schemeClr val="tx1"/>
+                      </a:solidFill>
+                      <a:prstDash val="solid"/>
+                      <a:round/>
+                      <a:headEnd type="none" w="med" len="med"/>
+                      <a:tailEnd type="none" w="med" len="med"/>
+                    </a:lnR>
+                    <a:lnT w="12700" cap="flat" cmpd="sng" algn="ctr">
+                      <a:solidFill>
+                        <a:schemeClr val="tx1"/>
+                      </a:solidFill>
+                      <a:prstDash val="solid"/>
+                      <a:round/>
+                      <a:headEnd type="none" w="med" len="med"/>
+                      <a:tailEnd type="none" w="med" len="med"/>
+                    </a:lnT>
+                    <a:lnB w="12700" cap="flat" cmpd="sng" algn="ctr">
+                      <a:solidFill>
+                        <a:schemeClr val="tx1"/>
+                      </a:solidFill>
+                      <a:prstDash val="solid"/>
+                      <a:round/>
+                      <a:headEnd type="none" w="med" len="med"/>
+                      <a:tailEnd type="none" w="med" len="med"/>
+                    </a:lnB>
+                    <a:solidFill>
+                      <a:schemeClr val="bg1"/>
+                    </a:solidFill>
+                  </a:tcPr>
+                </a:tc>
+                <a:tc>
+                  <a:txBody>
+                    <a:bodyPr/>
+                    <a:lstStyle/>
+                    <a:p>
+                      <a:pPr algn="ctr"/>
+                      <a:r>
+                        <a:rPr lang="en-US" altLang="zh-TW" dirty="0" smtClean="0">
+                          <a:solidFill>
+                            <a:schemeClr val="tx1"/>
+                          </a:solidFill>
+                        </a:rPr>
+                        <a:t>9</a:t>
+                      </a:r>
+                      <a:endParaRPr lang="zh-TW" altLang="en-US" dirty="0">
+                        <a:solidFill>
+                          <a:schemeClr val="tx1"/>
+                        </a:solidFill>
+                      </a:endParaRPr>
+                    </a:p>
+                  </a:txBody>
+                  <a:tcPr anchor="ctr">
+                    <a:lnL w="12700" cap="flat" cmpd="sng" algn="ctr">
+                      <a:solidFill>
+                        <a:schemeClr val="tx1"/>
+                      </a:solidFill>
+                      <a:prstDash val="solid"/>
+                      <a:round/>
+                      <a:headEnd type="none" w="med" len="med"/>
+                      <a:tailEnd type="none" w="med" len="med"/>
+                    </a:lnL>
+                    <a:lnR w="12700" cap="flat" cmpd="sng" algn="ctr">
+                      <a:solidFill>
+                        <a:schemeClr val="tx1"/>
+                      </a:solidFill>
+                      <a:prstDash val="solid"/>
+                      <a:round/>
+                      <a:headEnd type="none" w="med" len="med"/>
+                      <a:tailEnd type="none" w="med" len="med"/>
+                    </a:lnR>
+                    <a:lnT w="12700" cap="flat" cmpd="sng" algn="ctr">
+                      <a:solidFill>
+                        <a:schemeClr val="tx1"/>
+                      </a:solidFill>
+                      <a:prstDash val="solid"/>
+                      <a:round/>
+                      <a:headEnd type="none" w="med" len="med"/>
+                      <a:tailEnd type="none" w="med" len="med"/>
+                    </a:lnT>
+                    <a:lnB w="12700" cap="flat" cmpd="sng" algn="ctr">
+                      <a:solidFill>
+                        <a:schemeClr val="tx1"/>
+                      </a:solidFill>
+                      <a:prstDash val="solid"/>
+                      <a:round/>
+                      <a:headEnd type="none" w="med" len="med"/>
+                      <a:tailEnd type="none" w="med" len="med"/>
+                    </a:lnB>
+                    <a:solidFill>
+                      <a:schemeClr val="bg1"/>
+                    </a:solidFill>
+                  </a:tcPr>
+                </a:tc>
+                <a:tc>
+                  <a:txBody>
+                    <a:bodyPr/>
+                    <a:lstStyle/>
+                    <a:p>
+                      <a:pPr algn="ctr"/>
+                      <a:r>
+                        <a:rPr lang="en-US" altLang="zh-TW" dirty="0" smtClean="0">
+                          <a:solidFill>
+                            <a:schemeClr val="tx1"/>
+                          </a:solidFill>
+                        </a:rPr>
+                        <a:t>65</a:t>
+                      </a:r>
+                      <a:endParaRPr lang="zh-TW" altLang="en-US" dirty="0">
+                        <a:solidFill>
+                          <a:schemeClr val="tx1"/>
+                        </a:solidFill>
+                      </a:endParaRPr>
+                    </a:p>
+                  </a:txBody>
+                  <a:tcPr anchor="ctr">
+                    <a:lnL w="12700" cap="flat" cmpd="sng" algn="ctr">
+                      <a:solidFill>
+                        <a:schemeClr val="tx1"/>
+                      </a:solidFill>
+                      <a:prstDash val="solid"/>
+                      <a:round/>
+                      <a:headEnd type="none" w="med" len="med"/>
+                      <a:tailEnd type="none" w="med" len="med"/>
+                    </a:lnL>
+                    <a:lnR w="12700" cap="flat" cmpd="sng" algn="ctr">
+                      <a:solidFill>
+                        <a:schemeClr val="tx1"/>
+                      </a:solidFill>
+                      <a:prstDash val="solid"/>
+                      <a:round/>
+                      <a:headEnd type="none" w="med" len="med"/>
+                      <a:tailEnd type="none" w="med" len="med"/>
+                    </a:lnR>
+                    <a:lnT w="12700" cap="flat" cmpd="sng" algn="ctr">
+                      <a:solidFill>
+                        <a:schemeClr val="tx1"/>
+                      </a:solidFill>
+                      <a:prstDash val="solid"/>
+                      <a:round/>
+                      <a:headEnd type="none" w="med" len="med"/>
+                      <a:tailEnd type="none" w="med" len="med"/>
+                    </a:lnT>
+                    <a:lnB w="12700" cap="flat" cmpd="sng" algn="ctr">
+                      <a:solidFill>
+                        <a:schemeClr val="tx1"/>
+                      </a:solidFill>
+                      <a:prstDash val="solid"/>
+                      <a:round/>
+                      <a:headEnd type="none" w="med" len="med"/>
+                      <a:tailEnd type="none" w="med" len="med"/>
+                    </a:lnB>
+                    <a:solidFill>
+                      <a:schemeClr val="bg1"/>
+                    </a:solidFill>
+                  </a:tcPr>
+                </a:tc>
+                <a:extLst>
+                  <a:ext uri="{0D108BD9-81ED-4DB2-BD59-A6C34878D82A}">
+                    <a16:rowId xmlns:a16="http://schemas.microsoft.com/office/drawing/2014/main" val="2336717400"/>
+                  </a:ext>
+                </a:extLst>
+              </a:tr>
+            </a:tbl>
+          </a:graphicData>
+        </a:graphic>
+      </p:graphicFrame>
+      <p:sp>
+        <p:nvSpPr>
+          <p:cNvPr id="5" name="矩形 4"/>
+          <p:cNvSpPr/>
+          <p:nvPr/>
+        </p:nvSpPr>
+        <p:spPr>
+          <a:xfrm>
+            <a:off x="6044184" y="4100975"/>
+            <a:ext cx="868680" cy="1033272"/>
+          </a:xfrm>
+          <a:prstGeom prst="rect">
+            <a:avLst/>
+          </a:prstGeom>
+          <a:noFill/>
+          <a:ln w="38100">
+            <a:solidFill>
+              <a:srgbClr val="FF0000"/>
+            </a:solidFill>
+          </a:ln>
+        </p:spPr>
+        <p:style>
+          <a:lnRef idx="2">
+            <a:schemeClr val="accent1">
+              <a:shade val="50000"/>
+            </a:schemeClr>
+          </a:lnRef>
+          <a:fillRef idx="1">
+            <a:schemeClr val="accent1"/>
+          </a:fillRef>
+          <a:effectRef idx="0">
+            <a:schemeClr val="accent1"/>
+          </a:effectRef>
+          <a:fontRef idx="minor">
+            <a:schemeClr val="lt1"/>
+          </a:fontRef>
+        </p:style>
+        <p:txBody>
+          <a:bodyPr rtlCol="0" anchor="ctr"/>
+          <a:lstStyle/>
+          <a:p>
+            <a:pPr algn="ctr"/>
+            <a:endParaRPr lang="zh-TW" altLang="en-US"/>
+          </a:p>
+        </p:txBody>
+      </p:sp>
+      <p:sp>
+        <p:nvSpPr>
+          <p:cNvPr id="6" name="文字方塊 5"/>
+          <p:cNvSpPr txBox="1"/>
+          <p:nvPr/>
+        </p:nvSpPr>
+        <p:spPr>
+          <a:xfrm>
+            <a:off x="2542032" y="5365345"/>
+            <a:ext cx="707245" cy="369332"/>
+          </a:xfrm>
+          <a:prstGeom prst="rect">
+            <a:avLst/>
+          </a:prstGeom>
+          <a:noFill/>
+        </p:spPr>
+        <p:txBody>
+          <a:bodyPr wrap="none" rtlCol="0">
+            <a:spAutoFit/>
+          </a:bodyPr>
+          <a:lstStyle/>
+          <a:p>
+            <a:r>
+              <a:rPr lang="en-US" altLang="zh-TW" dirty="0" smtClean="0"/>
+              <a:t>Max=</a:t>
+            </a:r>
+            <a:endParaRPr lang="zh-TW" altLang="en-US" dirty="0"/>
+          </a:p>
+        </p:txBody>
+      </p:sp>
+      <p:sp>
+        <p:nvSpPr>
+          <p:cNvPr id="7" name="文字方塊 6"/>
+          <p:cNvSpPr txBox="1"/>
+          <p:nvPr/>
+        </p:nvSpPr>
+        <p:spPr>
+          <a:xfrm>
+            <a:off x="3249277" y="5349956"/>
+            <a:ext cx="335348" cy="400110"/>
+          </a:xfrm>
+          <a:prstGeom prst="rect">
+            <a:avLst/>
+          </a:prstGeom>
+          <a:solidFill>
+            <a:schemeClr val="bg1"/>
+          </a:solidFill>
+        </p:spPr>
+        <p:txBody>
+          <a:bodyPr wrap="none" rtlCol="0">
+            <a:spAutoFit/>
+          </a:bodyPr>
+          <a:lstStyle/>
+          <a:p>
+            <a:r>
+              <a:rPr lang="en-US" altLang="zh-TW" sz="2000" b="1" dirty="0" smtClean="0">
+                <a:solidFill>
+                  <a:srgbClr val="C00000"/>
+                </a:solidFill>
+              </a:rPr>
+              <a:t>3</a:t>
+            </a:r>
+            <a:endParaRPr lang="zh-TW" altLang="en-US" sz="2000" b="1" dirty="0">
+              <a:solidFill>
+                <a:srgbClr val="C00000"/>
+              </a:solidFill>
+            </a:endParaRPr>
+          </a:p>
+        </p:txBody>
+      </p:sp>
+      <p:sp>
+        <p:nvSpPr>
+          <p:cNvPr id="8" name="文字方塊 7"/>
+          <p:cNvSpPr txBox="1"/>
+          <p:nvPr/>
+        </p:nvSpPr>
+        <p:spPr>
+          <a:xfrm>
+            <a:off x="3173936" y="5367843"/>
+            <a:ext cx="486030" cy="400110"/>
+          </a:xfrm>
+          <a:prstGeom prst="rect">
+            <a:avLst/>
+          </a:prstGeom>
+          <a:solidFill>
+            <a:schemeClr val="bg1"/>
+          </a:solidFill>
+        </p:spPr>
+        <p:txBody>
+          <a:bodyPr wrap="none" rtlCol="0">
+            <a:spAutoFit/>
+          </a:bodyPr>
+          <a:lstStyle/>
+          <a:p>
+            <a:r>
+              <a:rPr lang="en-US" altLang="zh-TW" sz="2000" b="1" dirty="0" smtClean="0">
+                <a:solidFill>
+                  <a:srgbClr val="C00000"/>
+                </a:solidFill>
+              </a:rPr>
+              <a:t>15</a:t>
+            </a:r>
+            <a:endParaRPr lang="zh-TW" altLang="en-US" sz="2000" b="1" dirty="0">
+              <a:solidFill>
+                <a:srgbClr val="C00000"/>
+              </a:solidFill>
+            </a:endParaRPr>
+          </a:p>
+        </p:txBody>
+      </p:sp>
+      <p:sp>
+        <p:nvSpPr>
+          <p:cNvPr id="9" name="文字方塊 8"/>
+          <p:cNvSpPr txBox="1"/>
+          <p:nvPr/>
+        </p:nvSpPr>
+        <p:spPr>
+          <a:xfrm>
+            <a:off x="3189824" y="5349956"/>
+            <a:ext cx="486030" cy="400110"/>
+          </a:xfrm>
+          <a:prstGeom prst="rect">
+            <a:avLst/>
+          </a:prstGeom>
+          <a:solidFill>
+            <a:schemeClr val="bg1"/>
+          </a:solidFill>
+        </p:spPr>
+        <p:txBody>
+          <a:bodyPr wrap="none" rtlCol="0">
+            <a:spAutoFit/>
+          </a:bodyPr>
+          <a:lstStyle/>
+          <a:p>
+            <a:r>
+              <a:rPr lang="en-US" altLang="zh-TW" sz="2000" b="1" dirty="0" smtClean="0">
+                <a:solidFill>
+                  <a:srgbClr val="C00000"/>
+                </a:solidFill>
+              </a:rPr>
+              <a:t>24</a:t>
+            </a:r>
+            <a:endParaRPr lang="zh-TW" altLang="en-US" sz="2000" b="1" dirty="0">
+              <a:solidFill>
+                <a:srgbClr val="C00000"/>
+              </a:solidFill>
+            </a:endParaRPr>
+          </a:p>
+        </p:txBody>
+      </p:sp>
+      <p:sp>
+        <p:nvSpPr>
+          <p:cNvPr id="10" name="文字方塊 9"/>
+          <p:cNvSpPr txBox="1"/>
+          <p:nvPr/>
+        </p:nvSpPr>
+        <p:spPr>
+          <a:xfrm>
+            <a:off x="3197502" y="5367843"/>
+            <a:ext cx="486030" cy="400110"/>
+          </a:xfrm>
+          <a:prstGeom prst="rect">
+            <a:avLst/>
+          </a:prstGeom>
+          <a:solidFill>
+            <a:schemeClr val="bg1"/>
+          </a:solidFill>
+        </p:spPr>
+        <p:txBody>
+          <a:bodyPr wrap="none" rtlCol="0">
+            <a:spAutoFit/>
+          </a:bodyPr>
+          <a:lstStyle/>
+          <a:p>
+            <a:r>
+              <a:rPr lang="en-US" altLang="zh-TW" sz="2000" b="1" dirty="0" smtClean="0">
+                <a:solidFill>
+                  <a:srgbClr val="C00000"/>
+                </a:solidFill>
+              </a:rPr>
+              <a:t>77</a:t>
+            </a:r>
+            <a:endParaRPr lang="zh-TW" altLang="en-US" sz="2000" b="1" dirty="0">
+              <a:solidFill>
+                <a:srgbClr val="C00000"/>
+              </a:solidFill>
+            </a:endParaRPr>
+          </a:p>
+        </p:txBody>
+      </p:sp>
+      <p:sp>
+        <p:nvSpPr>
+          <p:cNvPr id="11" name="文字方塊 10"/>
+          <p:cNvSpPr txBox="1"/>
+          <p:nvPr/>
+        </p:nvSpPr>
+        <p:spPr>
+          <a:xfrm>
+            <a:off x="3173936" y="5275510"/>
+            <a:ext cx="665567" cy="584775"/>
+          </a:xfrm>
+          <a:prstGeom prst="rect">
+            <a:avLst/>
+          </a:prstGeom>
+          <a:solidFill>
+            <a:schemeClr val="bg1"/>
+          </a:solidFill>
+        </p:spPr>
+        <p:txBody>
+          <a:bodyPr wrap="none" rtlCol="0">
+            <a:spAutoFit/>
+          </a:bodyPr>
+          <a:lstStyle/>
+          <a:p>
+            <a:r>
+              <a:rPr lang="en-US" altLang="zh-TW" sz="3200" b="1" dirty="0" smtClean="0">
+                <a:solidFill>
+                  <a:srgbClr val="7030A0"/>
+                </a:solidFill>
+              </a:rPr>
+              <a:t>77</a:t>
+            </a:r>
+            <a:endParaRPr lang="zh-TW" altLang="en-US" sz="3200" b="1" dirty="0">
+              <a:solidFill>
+                <a:srgbClr val="7030A0"/>
+              </a:solidFill>
+            </a:endParaRPr>
           </a:p>
         </p:txBody>
       </p:sp>
@@ -18262,9 +19708,535 @@
   <p:timing>
     <p:tnLst>
       <p:par>
-        <p:cTn id="1" dur="indefinite" restart="never" nodeType="tmRoot"/>
+        <p:cTn id="1" dur="indefinite" restart="never" nodeType="tmRoot">
+          <p:childTnLst>
+            <p:seq concurrent="1" nextAc="seek">
+              <p:cTn id="2" dur="indefinite" nodeType="mainSeq">
+                <p:childTnLst>
+                  <p:par>
+                    <p:cTn id="3" fill="hold">
+                      <p:stCondLst>
+                        <p:cond delay="indefinite"/>
+                      </p:stCondLst>
+                      <p:childTnLst>
+                        <p:par>
+                          <p:cTn id="4" fill="hold">
+                            <p:stCondLst>
+                              <p:cond delay="0"/>
+                            </p:stCondLst>
+                            <p:childTnLst>
+                              <p:par>
+                                <p:cTn id="5" presetID="1" presetClass="entr" presetSubtype="0" fill="hold" nodeType="clickEffect">
+                                  <p:stCondLst>
+                                    <p:cond delay="0"/>
+                                  </p:stCondLst>
+                                  <p:childTnLst>
+                                    <p:set>
+                                      <p:cBhvr>
+                                        <p:cTn id="6" dur="1" fill="hold">
+                                          <p:stCondLst>
+                                            <p:cond delay="0"/>
+                                          </p:stCondLst>
+                                        </p:cTn>
+                                        <p:tgtEl>
+                                          <p:spTgt spid="4"/>
+                                        </p:tgtEl>
+                                        <p:attrNameLst>
+                                          <p:attrName>style.visibility</p:attrName>
+                                        </p:attrNameLst>
+                                      </p:cBhvr>
+                                      <p:to>
+                                        <p:strVal val="visible"/>
+                                      </p:to>
+                                    </p:set>
+                                  </p:childTnLst>
+                                </p:cTn>
+                              </p:par>
+                            </p:childTnLst>
+                          </p:cTn>
+                        </p:par>
+                      </p:childTnLst>
+                    </p:cTn>
+                  </p:par>
+                  <p:par>
+                    <p:cTn id="7" fill="hold">
+                      <p:stCondLst>
+                        <p:cond delay="indefinite"/>
+                      </p:stCondLst>
+                      <p:childTnLst>
+                        <p:par>
+                          <p:cTn id="8" fill="hold">
+                            <p:stCondLst>
+                              <p:cond delay="0"/>
+                            </p:stCondLst>
+                            <p:childTnLst>
+                              <p:par>
+                                <p:cTn id="9" presetID="42" presetClass="entr" presetSubtype="0" fill="hold" grpId="0" nodeType="clickEffect">
+                                  <p:stCondLst>
+                                    <p:cond delay="0"/>
+                                  </p:stCondLst>
+                                  <p:childTnLst>
+                                    <p:set>
+                                      <p:cBhvr>
+                                        <p:cTn id="10" dur="1" fill="hold">
+                                          <p:stCondLst>
+                                            <p:cond delay="0"/>
+                                          </p:stCondLst>
+                                        </p:cTn>
+                                        <p:tgtEl>
+                                          <p:spTgt spid="5"/>
+                                        </p:tgtEl>
+                                        <p:attrNameLst>
+                                          <p:attrName>style.visibility</p:attrName>
+                                        </p:attrNameLst>
+                                      </p:cBhvr>
+                                      <p:to>
+                                        <p:strVal val="visible"/>
+                                      </p:to>
+                                    </p:set>
+                                    <p:animEffect transition="in" filter="fade">
+                                      <p:cBhvr>
+                                        <p:cTn id="11" dur="1000"/>
+                                        <p:tgtEl>
+                                          <p:spTgt spid="5"/>
+                                        </p:tgtEl>
+                                      </p:cBhvr>
+                                    </p:animEffect>
+                                    <p:anim calcmode="lin" valueType="num">
+                                      <p:cBhvr>
+                                        <p:cTn id="12" dur="1000" fill="hold"/>
+                                        <p:tgtEl>
+                                          <p:spTgt spid="5"/>
+                                        </p:tgtEl>
+                                        <p:attrNameLst>
+                                          <p:attrName>ppt_x</p:attrName>
+                                        </p:attrNameLst>
+                                      </p:cBhvr>
+                                      <p:tavLst>
+                                        <p:tav tm="0">
+                                          <p:val>
+                                            <p:strVal val="#ppt_x"/>
+                                          </p:val>
+                                        </p:tav>
+                                        <p:tav tm="100000">
+                                          <p:val>
+                                            <p:strVal val="#ppt_x"/>
+                                          </p:val>
+                                        </p:tav>
+                                      </p:tavLst>
+                                    </p:anim>
+                                    <p:anim calcmode="lin" valueType="num">
+                                      <p:cBhvr>
+                                        <p:cTn id="13" dur="1000" fill="hold"/>
+                                        <p:tgtEl>
+                                          <p:spTgt spid="5"/>
+                                        </p:tgtEl>
+                                        <p:attrNameLst>
+                                          <p:attrName>ppt_y</p:attrName>
+                                        </p:attrNameLst>
+                                      </p:cBhvr>
+                                      <p:tavLst>
+                                        <p:tav tm="0">
+                                          <p:val>
+                                            <p:strVal val="#ppt_y+.1"/>
+                                          </p:val>
+                                        </p:tav>
+                                        <p:tav tm="100000">
+                                          <p:val>
+                                            <p:strVal val="#ppt_y"/>
+                                          </p:val>
+                                        </p:tav>
+                                      </p:tavLst>
+                                    </p:anim>
+                                  </p:childTnLst>
+                                  <p:subTnLst>
+                                    <p:set>
+                                      <p:cBhvr override="childStyle">
+                                        <p:cTn dur="1" fill="hold" display="0" masterRel="nextClick" afterEffect="1"/>
+                                        <p:tgtEl>
+                                          <p:spTgt spid="5"/>
+                                        </p:tgtEl>
+                                        <p:attrNameLst>
+                                          <p:attrName>style.visibility</p:attrName>
+                                        </p:attrNameLst>
+                                      </p:cBhvr>
+                                      <p:to>
+                                        <p:strVal val="hidden"/>
+                                      </p:to>
+                                    </p:set>
+                                  </p:subTnLst>
+                                </p:cTn>
+                              </p:par>
+                            </p:childTnLst>
+                          </p:cTn>
+                        </p:par>
+                      </p:childTnLst>
+                    </p:cTn>
+                  </p:par>
+                  <p:par>
+                    <p:cTn id="14" fill="hold">
+                      <p:stCondLst>
+                        <p:cond delay="indefinite"/>
+                      </p:stCondLst>
+                      <p:childTnLst>
+                        <p:par>
+                          <p:cTn id="15" fill="hold">
+                            <p:stCondLst>
+                              <p:cond delay="0"/>
+                            </p:stCondLst>
+                            <p:childTnLst>
+                              <p:par>
+                                <p:cTn id="16" presetID="1" presetClass="entr" presetSubtype="0" fill="hold" grpId="0" nodeType="clickEffect">
+                                  <p:stCondLst>
+                                    <p:cond delay="0"/>
+                                  </p:stCondLst>
+                                  <p:childTnLst>
+                                    <p:set>
+                                      <p:cBhvr>
+                                        <p:cTn id="17" dur="1" fill="hold">
+                                          <p:stCondLst>
+                                            <p:cond delay="0"/>
+                                          </p:stCondLst>
+                                        </p:cTn>
+                                        <p:tgtEl>
+                                          <p:spTgt spid="6"/>
+                                        </p:tgtEl>
+                                        <p:attrNameLst>
+                                          <p:attrName>style.visibility</p:attrName>
+                                        </p:attrNameLst>
+                                      </p:cBhvr>
+                                      <p:to>
+                                        <p:strVal val="visible"/>
+                                      </p:to>
+                                    </p:set>
+                                  </p:childTnLst>
+                                </p:cTn>
+                              </p:par>
+                            </p:childTnLst>
+                          </p:cTn>
+                        </p:par>
+                      </p:childTnLst>
+                    </p:cTn>
+                  </p:par>
+                  <p:par>
+                    <p:cTn id="18" fill="hold">
+                      <p:stCondLst>
+                        <p:cond delay="indefinite"/>
+                      </p:stCondLst>
+                      <p:childTnLst>
+                        <p:par>
+                          <p:cTn id="19" fill="hold">
+                            <p:stCondLst>
+                              <p:cond delay="0"/>
+                            </p:stCondLst>
+                            <p:childTnLst>
+                              <p:par>
+                                <p:cTn id="20" presetID="1" presetClass="entr" presetSubtype="0" fill="hold" grpId="0" nodeType="clickEffect">
+                                  <p:stCondLst>
+                                    <p:cond delay="0"/>
+                                  </p:stCondLst>
+                                  <p:childTnLst>
+                                    <p:set>
+                                      <p:cBhvr>
+                                        <p:cTn id="21" dur="1" fill="hold">
+                                          <p:stCondLst>
+                                            <p:cond delay="0"/>
+                                          </p:stCondLst>
+                                        </p:cTn>
+                                        <p:tgtEl>
+                                          <p:spTgt spid="7"/>
+                                        </p:tgtEl>
+                                        <p:attrNameLst>
+                                          <p:attrName>style.visibility</p:attrName>
+                                        </p:attrNameLst>
+                                      </p:cBhvr>
+                                      <p:to>
+                                        <p:strVal val="visible"/>
+                                      </p:to>
+                                    </p:set>
+                                  </p:childTnLst>
+                                  <p:subTnLst>
+                                    <p:set>
+                                      <p:cBhvr override="childStyle">
+                                        <p:cTn dur="1" fill="hold" display="0" masterRel="nextClick" afterEffect="1"/>
+                                        <p:tgtEl>
+                                          <p:spTgt spid="7"/>
+                                        </p:tgtEl>
+                                        <p:attrNameLst>
+                                          <p:attrName>style.visibility</p:attrName>
+                                        </p:attrNameLst>
+                                      </p:cBhvr>
+                                      <p:to>
+                                        <p:strVal val="hidden"/>
+                                      </p:to>
+                                    </p:set>
+                                  </p:subTnLst>
+                                </p:cTn>
+                              </p:par>
+                            </p:childTnLst>
+                          </p:cTn>
+                        </p:par>
+                      </p:childTnLst>
+                    </p:cTn>
+                  </p:par>
+                  <p:par>
+                    <p:cTn id="22" fill="hold">
+                      <p:stCondLst>
+                        <p:cond delay="indefinite"/>
+                      </p:stCondLst>
+                      <p:childTnLst>
+                        <p:par>
+                          <p:cTn id="23" fill="hold">
+                            <p:stCondLst>
+                              <p:cond delay="0"/>
+                            </p:stCondLst>
+                            <p:childTnLst>
+                              <p:par>
+                                <p:cTn id="24" presetID="1" presetClass="entr" presetSubtype="0" fill="hold" grpId="0" nodeType="clickEffect">
+                                  <p:stCondLst>
+                                    <p:cond delay="0"/>
+                                  </p:stCondLst>
+                                  <p:childTnLst>
+                                    <p:set>
+                                      <p:cBhvr>
+                                        <p:cTn id="25" dur="1" fill="hold">
+                                          <p:stCondLst>
+                                            <p:cond delay="0"/>
+                                          </p:stCondLst>
+                                        </p:cTn>
+                                        <p:tgtEl>
+                                          <p:spTgt spid="8"/>
+                                        </p:tgtEl>
+                                        <p:attrNameLst>
+                                          <p:attrName>style.visibility</p:attrName>
+                                        </p:attrNameLst>
+                                      </p:cBhvr>
+                                      <p:to>
+                                        <p:strVal val="visible"/>
+                                      </p:to>
+                                    </p:set>
+                                  </p:childTnLst>
+                                  <p:subTnLst>
+                                    <p:set>
+                                      <p:cBhvr override="childStyle">
+                                        <p:cTn dur="1" fill="hold" display="0" masterRel="nextClick" afterEffect="1"/>
+                                        <p:tgtEl>
+                                          <p:spTgt spid="8"/>
+                                        </p:tgtEl>
+                                        <p:attrNameLst>
+                                          <p:attrName>style.visibility</p:attrName>
+                                        </p:attrNameLst>
+                                      </p:cBhvr>
+                                      <p:to>
+                                        <p:strVal val="hidden"/>
+                                      </p:to>
+                                    </p:set>
+                                  </p:subTnLst>
+                                </p:cTn>
+                              </p:par>
+                            </p:childTnLst>
+                          </p:cTn>
+                        </p:par>
+                      </p:childTnLst>
+                    </p:cTn>
+                  </p:par>
+                  <p:par>
+                    <p:cTn id="26" fill="hold">
+                      <p:stCondLst>
+                        <p:cond delay="indefinite"/>
+                      </p:stCondLst>
+                      <p:childTnLst>
+                        <p:par>
+                          <p:cTn id="27" fill="hold">
+                            <p:stCondLst>
+                              <p:cond delay="0"/>
+                            </p:stCondLst>
+                            <p:childTnLst>
+                              <p:par>
+                                <p:cTn id="28" presetID="1" presetClass="entr" presetSubtype="0" fill="hold" grpId="0" nodeType="clickEffect">
+                                  <p:stCondLst>
+                                    <p:cond delay="0"/>
+                                  </p:stCondLst>
+                                  <p:childTnLst>
+                                    <p:set>
+                                      <p:cBhvr>
+                                        <p:cTn id="29" dur="1" fill="hold">
+                                          <p:stCondLst>
+                                            <p:cond delay="0"/>
+                                          </p:stCondLst>
+                                        </p:cTn>
+                                        <p:tgtEl>
+                                          <p:spTgt spid="9"/>
+                                        </p:tgtEl>
+                                        <p:attrNameLst>
+                                          <p:attrName>style.visibility</p:attrName>
+                                        </p:attrNameLst>
+                                      </p:cBhvr>
+                                      <p:to>
+                                        <p:strVal val="visible"/>
+                                      </p:to>
+                                    </p:set>
+                                  </p:childTnLst>
+                                  <p:subTnLst>
+                                    <p:set>
+                                      <p:cBhvr override="childStyle">
+                                        <p:cTn dur="1" fill="hold" display="0" masterRel="nextClick" afterEffect="1"/>
+                                        <p:tgtEl>
+                                          <p:spTgt spid="9"/>
+                                        </p:tgtEl>
+                                        <p:attrNameLst>
+                                          <p:attrName>style.visibility</p:attrName>
+                                        </p:attrNameLst>
+                                      </p:cBhvr>
+                                      <p:to>
+                                        <p:strVal val="hidden"/>
+                                      </p:to>
+                                    </p:set>
+                                  </p:subTnLst>
+                                </p:cTn>
+                              </p:par>
+                            </p:childTnLst>
+                          </p:cTn>
+                        </p:par>
+                      </p:childTnLst>
+                    </p:cTn>
+                  </p:par>
+                  <p:par>
+                    <p:cTn id="30" fill="hold">
+                      <p:stCondLst>
+                        <p:cond delay="indefinite"/>
+                      </p:stCondLst>
+                      <p:childTnLst>
+                        <p:par>
+                          <p:cTn id="31" fill="hold">
+                            <p:stCondLst>
+                              <p:cond delay="0"/>
+                            </p:stCondLst>
+                            <p:childTnLst>
+                              <p:par>
+                                <p:cTn id="32" presetID="1" presetClass="entr" presetSubtype="0" fill="hold" grpId="0" nodeType="clickEffect">
+                                  <p:stCondLst>
+                                    <p:cond delay="0"/>
+                                  </p:stCondLst>
+                                  <p:childTnLst>
+                                    <p:set>
+                                      <p:cBhvr>
+                                        <p:cTn id="33" dur="1" fill="hold">
+                                          <p:stCondLst>
+                                            <p:cond delay="0"/>
+                                          </p:stCondLst>
+                                        </p:cTn>
+                                        <p:tgtEl>
+                                          <p:spTgt spid="10"/>
+                                        </p:tgtEl>
+                                        <p:attrNameLst>
+                                          <p:attrName>style.visibility</p:attrName>
+                                        </p:attrNameLst>
+                                      </p:cBhvr>
+                                      <p:to>
+                                        <p:strVal val="visible"/>
+                                      </p:to>
+                                    </p:set>
+                                  </p:childTnLst>
+                                  <p:subTnLst>
+                                    <p:set>
+                                      <p:cBhvr override="childStyle">
+                                        <p:cTn dur="1" fill="hold" display="0" masterRel="nextClick" afterEffect="1"/>
+                                        <p:tgtEl>
+                                          <p:spTgt spid="10"/>
+                                        </p:tgtEl>
+                                        <p:attrNameLst>
+                                          <p:attrName>style.visibility</p:attrName>
+                                        </p:attrNameLst>
+                                      </p:cBhvr>
+                                      <p:to>
+                                        <p:strVal val="hidden"/>
+                                      </p:to>
+                                    </p:set>
+                                  </p:subTnLst>
+                                </p:cTn>
+                              </p:par>
+                            </p:childTnLst>
+                          </p:cTn>
+                        </p:par>
+                      </p:childTnLst>
+                    </p:cTn>
+                  </p:par>
+                  <p:par>
+                    <p:cTn id="34" fill="hold">
+                      <p:stCondLst>
+                        <p:cond delay="indefinite"/>
+                      </p:stCondLst>
+                      <p:childTnLst>
+                        <p:par>
+                          <p:cTn id="35" fill="hold">
+                            <p:stCondLst>
+                              <p:cond delay="0"/>
+                            </p:stCondLst>
+                            <p:childTnLst>
+                              <p:par>
+                                <p:cTn id="36" presetID="1" presetClass="entr" presetSubtype="0" fill="hold" grpId="0" nodeType="clickEffect">
+                                  <p:stCondLst>
+                                    <p:cond delay="0"/>
+                                  </p:stCondLst>
+                                  <p:childTnLst>
+                                    <p:set>
+                                      <p:cBhvr>
+                                        <p:cTn id="37" dur="1" fill="hold">
+                                          <p:stCondLst>
+                                            <p:cond delay="0"/>
+                                          </p:stCondLst>
+                                        </p:cTn>
+                                        <p:tgtEl>
+                                          <p:spTgt spid="11"/>
+                                        </p:tgtEl>
+                                        <p:attrNameLst>
+                                          <p:attrName>style.visibility</p:attrName>
+                                        </p:attrNameLst>
+                                      </p:cBhvr>
+                                      <p:to>
+                                        <p:strVal val="visible"/>
+                                      </p:to>
+                                    </p:set>
+                                  </p:childTnLst>
+                                </p:cTn>
+                              </p:par>
+                            </p:childTnLst>
+                          </p:cTn>
+                        </p:par>
+                      </p:childTnLst>
+                    </p:cTn>
+                  </p:par>
+                </p:childTnLst>
+              </p:cTn>
+              <p:prevCondLst>
+                <p:cond evt="onPrev" delay="0">
+                  <p:tgtEl>
+                    <p:sldTgt/>
+                  </p:tgtEl>
+                </p:cond>
+              </p:prevCondLst>
+              <p:nextCondLst>
+                <p:cond evt="onNext" delay="0">
+                  <p:tgtEl>
+                    <p:sldTgt/>
+                  </p:tgtEl>
+                </p:cond>
+              </p:nextCondLst>
+            </p:seq>
+          </p:childTnLst>
+        </p:cTn>
       </p:par>
     </p:tnLst>
+    <p:bldLst>
+      <p:bldP spid="5" grpId="0" animBg="1"/>
+      <p:bldP spid="6" grpId="0"/>
+      <p:bldP spid="7" grpId="0" animBg="1"/>
+      <p:bldP spid="8" grpId="0" animBg="1"/>
+      <p:bldP spid="9" grpId="0" animBg="1"/>
+      <p:bldP spid="10" grpId="0" animBg="1"/>
+      <p:bldP spid="11" grpId="0" animBg="1"/>
+    </p:bldLst>
   </p:timing>
 </p:sld>
 </file>

--- a/LCC/Python/02_關於運算思維.pptx
+++ b/LCC/Python/02_關於運算思維.pptx
@@ -881,7 +881,7 @@
           <a:p>
             <a:fld id="{1C04B068-0BC1-4366-925A-40167D424D2E}" type="datetimeFigureOut">
               <a:rPr lang="zh-TW" altLang="en-US" smtClean="0"/>
-              <a:t>2021/11/17</a:t>
+              <a:t>2022/1/12</a:t>
             </a:fld>
             <a:endParaRPr lang="zh-TW" altLang="en-US"/>
           </a:p>
@@ -1132,7 +1132,7 @@
           <a:p>
             <a:fld id="{1C04B068-0BC1-4366-925A-40167D424D2E}" type="datetimeFigureOut">
               <a:rPr lang="zh-TW" altLang="en-US" smtClean="0"/>
-              <a:t>2021/11/17</a:t>
+              <a:t>2022/1/12</a:t>
             </a:fld>
             <a:endParaRPr lang="zh-TW" altLang="en-US"/>
           </a:p>
@@ -1446,7 +1446,7 @@
           <a:p>
             <a:fld id="{1C04B068-0BC1-4366-925A-40167D424D2E}" type="datetimeFigureOut">
               <a:rPr lang="zh-TW" altLang="en-US" smtClean="0"/>
-              <a:t>2021/11/17</a:t>
+              <a:t>2022/1/12</a:t>
             </a:fld>
             <a:endParaRPr lang="zh-TW" altLang="en-US"/>
           </a:p>
@@ -1779,7 +1779,7 @@
           <a:p>
             <a:fld id="{1C04B068-0BC1-4366-925A-40167D424D2E}" type="datetimeFigureOut">
               <a:rPr lang="zh-TW" altLang="en-US" smtClean="0"/>
-              <a:t>2021/11/17</a:t>
+              <a:t>2022/1/12</a:t>
             </a:fld>
             <a:endParaRPr lang="zh-TW" altLang="en-US"/>
           </a:p>
@@ -2093,7 +2093,7 @@
           <a:p>
             <a:fld id="{1C04B068-0BC1-4366-925A-40167D424D2E}" type="datetimeFigureOut">
               <a:rPr lang="zh-TW" altLang="en-US" smtClean="0"/>
-              <a:t>2021/11/17</a:t>
+              <a:t>2022/1/12</a:t>
             </a:fld>
             <a:endParaRPr lang="zh-TW" altLang="en-US"/>
           </a:p>
@@ -2486,7 +2486,7 @@
           <a:p>
             <a:fld id="{1C04B068-0BC1-4366-925A-40167D424D2E}" type="datetimeFigureOut">
               <a:rPr lang="zh-TW" altLang="en-US" smtClean="0"/>
-              <a:t>2021/11/17</a:t>
+              <a:t>2022/1/12</a:t>
             </a:fld>
             <a:endParaRPr lang="zh-TW" altLang="en-US"/>
           </a:p>
@@ -2656,7 +2656,7 @@
           <a:p>
             <a:fld id="{1C04B068-0BC1-4366-925A-40167D424D2E}" type="datetimeFigureOut">
               <a:rPr lang="zh-TW" altLang="en-US" smtClean="0"/>
-              <a:t>2021/11/17</a:t>
+              <a:t>2022/1/12</a:t>
             </a:fld>
             <a:endParaRPr lang="zh-TW" altLang="en-US"/>
           </a:p>
@@ -2836,7 +2836,7 @@
           <a:p>
             <a:fld id="{1C04B068-0BC1-4366-925A-40167D424D2E}" type="datetimeFigureOut">
               <a:rPr lang="zh-TW" altLang="en-US" smtClean="0"/>
-              <a:t>2021/11/17</a:t>
+              <a:t>2022/1/12</a:t>
             </a:fld>
             <a:endParaRPr lang="zh-TW" altLang="en-US"/>
           </a:p>
@@ -3006,7 +3006,7 @@
           <a:p>
             <a:fld id="{1C04B068-0BC1-4366-925A-40167D424D2E}" type="datetimeFigureOut">
               <a:rPr lang="zh-TW" altLang="en-US" smtClean="0"/>
-              <a:t>2021/11/17</a:t>
+              <a:t>2022/1/12</a:t>
             </a:fld>
             <a:endParaRPr lang="zh-TW" altLang="en-US"/>
           </a:p>
@@ -3253,7 +3253,7 @@
           <a:p>
             <a:fld id="{1C04B068-0BC1-4366-925A-40167D424D2E}" type="datetimeFigureOut">
               <a:rPr lang="zh-TW" altLang="en-US" smtClean="0"/>
-              <a:t>2021/11/17</a:t>
+              <a:t>2022/1/12</a:t>
             </a:fld>
             <a:endParaRPr lang="zh-TW" altLang="en-US"/>
           </a:p>
@@ -3485,7 +3485,7 @@
           <a:p>
             <a:fld id="{1C04B068-0BC1-4366-925A-40167D424D2E}" type="datetimeFigureOut">
               <a:rPr lang="zh-TW" altLang="en-US" smtClean="0"/>
-              <a:t>2021/11/17</a:t>
+              <a:t>2022/1/12</a:t>
             </a:fld>
             <a:endParaRPr lang="zh-TW" altLang="en-US"/>
           </a:p>
@@ -3859,7 +3859,7 @@
           <a:p>
             <a:fld id="{1C04B068-0BC1-4366-925A-40167D424D2E}" type="datetimeFigureOut">
               <a:rPr lang="zh-TW" altLang="en-US" smtClean="0"/>
-              <a:t>2021/11/17</a:t>
+              <a:t>2022/1/12</a:t>
             </a:fld>
             <a:endParaRPr lang="zh-TW" altLang="en-US"/>
           </a:p>
@@ -3982,7 +3982,7 @@
           <a:p>
             <a:fld id="{1C04B068-0BC1-4366-925A-40167D424D2E}" type="datetimeFigureOut">
               <a:rPr lang="zh-TW" altLang="en-US" smtClean="0"/>
-              <a:t>2021/11/17</a:t>
+              <a:t>2022/1/12</a:t>
             </a:fld>
             <a:endParaRPr lang="zh-TW" altLang="en-US"/>
           </a:p>
@@ -4077,7 +4077,7 @@
           <a:p>
             <a:fld id="{1C04B068-0BC1-4366-925A-40167D424D2E}" type="datetimeFigureOut">
               <a:rPr lang="zh-TW" altLang="en-US" smtClean="0"/>
-              <a:t>2021/11/17</a:t>
+              <a:t>2022/1/12</a:t>
             </a:fld>
             <a:endParaRPr lang="zh-TW" altLang="en-US"/>
           </a:p>
@@ -4332,7 +4332,7 @@
           <a:p>
             <a:fld id="{1C04B068-0BC1-4366-925A-40167D424D2E}" type="datetimeFigureOut">
               <a:rPr lang="zh-TW" altLang="en-US" smtClean="0"/>
-              <a:t>2021/11/17</a:t>
+              <a:t>2022/1/12</a:t>
             </a:fld>
             <a:endParaRPr lang="zh-TW" altLang="en-US"/>
           </a:p>
@@ -4637,7 +4637,7 @@
           <a:p>
             <a:fld id="{1C04B068-0BC1-4366-925A-40167D424D2E}" type="datetimeFigureOut">
               <a:rPr lang="zh-TW" altLang="en-US" smtClean="0"/>
-              <a:t>2021/11/17</a:t>
+              <a:t>2022/1/12</a:t>
             </a:fld>
             <a:endParaRPr lang="zh-TW" altLang="en-US"/>
           </a:p>
@@ -5339,7 +5339,7 @@
           <a:p>
             <a:fld id="{1C04B068-0BC1-4366-925A-40167D424D2E}" type="datetimeFigureOut">
               <a:rPr lang="zh-TW" altLang="en-US" smtClean="0"/>
-              <a:t>2021/11/17</a:t>
+              <a:t>2022/1/12</a:t>
             </a:fld>
             <a:endParaRPr lang="zh-TW" altLang="en-US"/>
           </a:p>
@@ -5471,7 +5471,7 @@
         <p:spPr>
           <a:xfrm>
             <a:off x="447147" y="6406487"/>
-            <a:ext cx="3863558" cy="369332"/>
+            <a:ext cx="2789546" cy="369332"/>
           </a:xfrm>
           <a:prstGeom prst="rect">
             <a:avLst/>
@@ -5484,12 +5484,8 @@
           <a:lstStyle/>
           <a:p>
             <a:r>
-              <a:rPr lang="zh-TW" altLang="en-US" sz="1800" dirty="0" smtClean="0"/>
-              <a:t>講義網址：</a:t>
-            </a:r>
-            <a:r>
               <a:rPr lang="en-US" altLang="zh-TW" sz="1800" dirty="0" smtClean="0"/>
-              <a:t>https://reurl.cc/q16rOy</a:t>
+              <a:t>https://reurl.cc/MbkNaK</a:t>
             </a:r>
             <a:endParaRPr lang="zh-TW" altLang="en-US" sz="1800" dirty="0"/>
           </a:p>
@@ -5988,7 +5984,7 @@
             <a:pPr algn="r"/>
             <a:fld id="{DA74FC97-8647-474D-B375-8E81E8B358FB}" type="datetime4">
               <a:rPr lang="zh-TW" altLang="zh-TW"/>
-              <a:t>110年11月17日星期三</a:t>
+              <a:t>111年1月12日星期三</a:t>
             </a:fld>
             <a:endParaRPr lang="zh-TW" altLang="en-US" dirty="0"/>
           </a:p>
@@ -6037,59 +6033,62 @@
       </p:pic>
       <p:sp>
         <p:nvSpPr>
-          <p:cNvPr id="6" name="矩形 5"/>
-          <p:cNvSpPr/>
+          <p:cNvPr id="7" name="文字方塊 6"/>
+          <p:cNvSpPr txBox="1"/>
           <p:nvPr/>
         </p:nvSpPr>
         <p:spPr>
           <a:xfrm>
-            <a:off x="634256" y="497458"/>
-            <a:ext cx="5093061" cy="461665"/>
+            <a:off x="528866" y="341708"/>
+            <a:ext cx="4636206" cy="369332"/>
           </a:xfrm>
           <a:prstGeom prst="rect">
             <a:avLst/>
           </a:prstGeom>
+          <a:noFill/>
         </p:spPr>
         <p:txBody>
-          <a:bodyPr wrap="none">
+          <a:bodyPr wrap="none" rtlCol="0">
             <a:spAutoFit/>
           </a:bodyPr>
           <a:lstStyle/>
           <a:p>
             <a:r>
-              <a:rPr lang="zh-TW" altLang="en-US" sz="2400" dirty="0" smtClean="0"/>
-              <a:t>講義網址：</a:t>
-            </a:r>
-            <a:r>
-              <a:rPr lang="en-US" altLang="zh-TW" sz="2400" dirty="0"/>
-              <a:t>https://</a:t>
-            </a:r>
-            <a:r>
-              <a:rPr lang="en-US" altLang="zh-TW" sz="2400" dirty="0" smtClean="0"/>
-              <a:t>reurl.cc/q16rOy</a:t>
-            </a:r>
-            <a:endParaRPr lang="zh-TW" altLang="en-US" sz="2400" dirty="0"/>
+              <a:rPr lang="zh-TW" altLang="en-US" dirty="0" smtClean="0"/>
+              <a:t>投影片下載網址：</a:t>
+            </a:r>
+            <a:r>
+              <a:rPr lang="en-US" altLang="zh-TW" dirty="0"/>
+              <a:t>https://reurl.cc/MbkNaK</a:t>
+            </a:r>
+            <a:endParaRPr lang="zh-TW" altLang="en-US" dirty="0"/>
           </a:p>
         </p:txBody>
       </p:sp>
       <p:pic>
         <p:nvPicPr>
-          <p:cNvPr id="7" name="圖片 6"/>
+          <p:cNvPr id="8" name="圖片 7"/>
           <p:cNvPicPr>
             <a:picLocks noChangeAspect="1"/>
           </p:cNvPicPr>
           <p:nvPr/>
         </p:nvPicPr>
         <p:blipFill>
-          <a:blip r:embed="rId3"/>
+          <a:blip r:embed="rId3">
+            <a:extLst>
+              <a:ext uri="{28A0092B-C50C-407E-A947-70E740481C1C}">
+                <a14:useLocalDpi xmlns:a14="http://schemas.microsoft.com/office/drawing/2010/main" val="0"/>
+              </a:ext>
+            </a:extLst>
+          </a:blip>
           <a:stretch>
             <a:fillRect/>
           </a:stretch>
         </p:blipFill>
         <p:spPr>
           <a:xfrm>
-            <a:off x="775914" y="921364"/>
-            <a:ext cx="1822492" cy="1822492"/>
+            <a:off x="792692" y="711040"/>
+            <a:ext cx="1428750" cy="1428750"/>
           </a:xfrm>
           <a:prstGeom prst="rect">
             <a:avLst/>
